--- a/희정/김부자 전희정.pptx
+++ b/희정/김부자 전희정.pptx
@@ -1,37 +1,37 @@
 
 <file path=ppt/presentation.xml><?xml version="1.0" encoding="utf-8"?>
-<p:presentation xmlns:r="http://schemas.openxmlformats.org/officeDocument/2006/relationships" xmlns:c="http://schemas.openxmlformats.org/drawingml/2006/chart" xmlns:a="http://schemas.openxmlformats.org/drawingml/2006/main" xmlns:dgm="http://schemas.openxmlformats.org/drawingml/2006/diagram" xmlns:dsp="http://schemas.microsoft.com/office/drawing/2008/diagram" xmlns:p="http://schemas.openxmlformats.org/presentationml/2006/main">
+<p:presentation xmlns:a="http://schemas.openxmlformats.org/drawingml/2006/main" xmlns:r="http://schemas.openxmlformats.org/officeDocument/2006/relationships" xmlns:p="http://schemas.openxmlformats.org/presentationml/2006/main">
   <p:sldMasterIdLst>
     <p:sldMasterId id="2147483715" r:id="rId1"/>
   </p:sldMasterIdLst>
   <p:notesMasterIdLst>
-    <p:notesMasterId r:id="rId2"/>
+    <p:notesMasterId r:id="rId16"/>
   </p:notesMasterIdLst>
   <p:handoutMasterIdLst>
-    <p:handoutMasterId r:id="rId3"/>
+    <p:handoutMasterId r:id="rId17"/>
   </p:handoutMasterIdLst>
   <p:sldIdLst>
-    <p:sldId id="256" r:id="rId4"/>
-    <p:sldId id="257" r:id="rId5"/>
-    <p:sldId id="258" r:id="rId6"/>
-    <p:sldId id="259" r:id="rId7"/>
-    <p:sldId id="260" r:id="rId8"/>
-    <p:sldId id="261" r:id="rId9"/>
-    <p:sldId id="262" r:id="rId10"/>
-    <p:sldId id="263" r:id="rId11"/>
-    <p:sldId id="264" r:id="rId12"/>
-    <p:sldId id="265" r:id="rId13"/>
-    <p:sldId id="266" r:id="rId14"/>
-    <p:sldId id="267" r:id="rId15"/>
-    <p:sldId id="268" r:id="rId16"/>
-    <p:sldId id="269" r:id="rId17"/>
+    <p:sldId id="256" r:id="rId2"/>
+    <p:sldId id="257" r:id="rId3"/>
+    <p:sldId id="258" r:id="rId4"/>
+    <p:sldId id="259" r:id="rId5"/>
+    <p:sldId id="260" r:id="rId6"/>
+    <p:sldId id="261" r:id="rId7"/>
+    <p:sldId id="262" r:id="rId8"/>
+    <p:sldId id="263" r:id="rId9"/>
+    <p:sldId id="264" r:id="rId10"/>
+    <p:sldId id="265" r:id="rId11"/>
+    <p:sldId id="266" r:id="rId12"/>
+    <p:sldId id="267" r:id="rId13"/>
+    <p:sldId id="268" r:id="rId14"/>
+    <p:sldId id="269" r:id="rId15"/>
   </p:sldIdLst>
   <p:sldSz cx="12192000" cy="6858000"/>
   <p:notesSz cx="9144000" cy="6858000"/>
   <p:custShowLst>
     <p:custShow name="재구성한 쇼 1" id="0">
       <p:sldLst>
-        <p:sld r:id="rId4"/>
+        <p:sld r:id="rId2"/>
       </p:sldLst>
     </p:custShow>
   </p:custShowLst>
@@ -133,13 +133,13 @@
   <p:extLst>
     <p:ext uri="{521415D9-36F7-43E2-AB2F-B90AF26B5E84}">
       <p14:sectionLst xmlns:p14="http://schemas.microsoft.com/office/powerpoint/2010/main">
-        <p14:section id="{E5196AAD-8984-4E05-B362-FF1536E22034}" name="기본 구역">
+        <p14:section name="기본 구역" id="{E5196AAD-8984-4E05-B362-FF1536E22034}">
           <p14:sldIdLst>
             <p14:sldId id="256"/>
             <p14:sldId id="257"/>
           </p14:sldIdLst>
         </p14:section>
-        <p14:section id="{206EE450-C813-4E93-AE93-1334638EE962}" name="제목 없는 구역">
+        <p14:section name="제목 없는 구역" id="{206EE450-C813-4E93-AE93-1334638EE962}">
           <p14:sldIdLst>
             <p14:sldId id="258"/>
             <p14:sldId id="259"/>
@@ -157,18 +157,32 @@
         </p14:section>
       </p14:sectionLst>
     </p:ext>
+    <p:ext uri="{EFAFB233-063F-42B5-8137-9DF3F51BA10A}">
+      <p15:sldGuideLst xmlns:p15="http://schemas.microsoft.com/office/powerpoint/2012/main">
+        <p15:guide id="1" orient="horz" pos="2159">
+          <p15:clr>
+            <a:srgbClr val="A4A3A4"/>
+          </p15:clr>
+        </p15:guide>
+        <p15:guide id="2" pos="3839">
+          <p15:clr>
+            <a:srgbClr val="A4A3A4"/>
+          </p15:clr>
+        </p15:guide>
+      </p15:sldGuideLst>
+    </p:ext>
   </p:extLst>
 </p:presentation>
 </file>
 
 <file path=ppt/commentAuthors.xml><?xml version="1.0" encoding="utf-8"?>
-<p:cmAuthorLst xmlns:r="http://schemas.openxmlformats.org/officeDocument/2006/relationships" xmlns:c="http://schemas.openxmlformats.org/drawingml/2006/chart" xmlns:a="http://schemas.openxmlformats.org/drawingml/2006/main" xmlns:dgm="http://schemas.openxmlformats.org/drawingml/2006/diagram" xmlns:dsp="http://schemas.microsoft.com/office/drawing/2008/diagram" xmlns:p="http://schemas.openxmlformats.org/presentationml/2006/main">
+<p:cmAuthorLst xmlns:a="http://schemas.openxmlformats.org/drawingml/2006/main" xmlns:r="http://schemas.openxmlformats.org/officeDocument/2006/relationships" xmlns:p="http://schemas.openxmlformats.org/presentationml/2006/main">
   <p:cmAuthor id="0" name="heejeong0503" initials="h" lastIdx="0" clrIdx="0"/>
 </p:cmAuthorLst>
 </file>
 
 <file path=ppt/handoutMasters/handoutMaster1.xml><?xml version="1.0" encoding="utf-8"?>
-<p:handoutMaster xmlns:r="http://schemas.openxmlformats.org/officeDocument/2006/relationships" xmlns:c="http://schemas.openxmlformats.org/drawingml/2006/chart" xmlns:a="http://schemas.openxmlformats.org/drawingml/2006/main" xmlns:dgm="http://schemas.openxmlformats.org/drawingml/2006/diagram" xmlns:dsp="http://schemas.microsoft.com/office/drawing/2008/diagram" xmlns:p="http://schemas.openxmlformats.org/presentationml/2006/main">
+<p:handoutMaster xmlns:a="http://schemas.openxmlformats.org/drawingml/2006/main" xmlns:r="http://schemas.openxmlformats.org/officeDocument/2006/relationships" xmlns:p="http://schemas.openxmlformats.org/presentationml/2006/main">
   <p:cSld>
     <p:bg>
       <p:bgRef idx="1001">
@@ -196,7 +210,7 @@
             <a:spLocks noGrp="1"/>
           </p:cNvSpPr>
           <p:nvPr>
-            <p:ph type="hdr" sz="quarter" idx="0"/>
+            <p:ph type="hdr" sz="quarter"/>
           </p:nvPr>
         </p:nvSpPr>
         <p:spPr>
@@ -219,10 +233,6 @@
             <a:pPr lvl="0">
               <a:defRPr lang="ko-KR" altLang="en-US"/>
             </a:pPr>
-            <a:r>
-              <a:rPr lang="ko-KR" altLang="en-US"/>
-              <a:t/>
-            </a:r>
             <a:endParaRPr lang="ko-KR" altLang="en-US"/>
           </a:p>
         </p:txBody>
@@ -262,7 +272,7 @@
               <a:pPr lvl="0">
                 <a:defRPr lang="ko-KR" altLang="en-US"/>
               </a:pPr>
-              <a:t>2022-12-18</a:t>
+              <a:t>2022-12-19</a:t>
             </a:fld>
             <a:endParaRPr lang="ko-KR" altLang="en-US"/>
           </a:p>
@@ -298,10 +308,6 @@
             <a:pPr lvl="0">
               <a:defRPr lang="ko-KR" altLang="en-US"/>
             </a:pPr>
-            <a:r>
-              <a:rPr lang="ko-KR" altLang="en-US"/>
-              <a:t/>
-            </a:r>
             <a:endParaRPr lang="ko-KR" altLang="en-US"/>
           </a:p>
         </p:txBody>
@@ -348,13 +354,18 @@
         </p:txBody>
       </p:sp>
     </p:spTree>
+    <p:extLst>
+      <p:ext uri="{BB962C8B-B14F-4D97-AF65-F5344CB8AC3E}">
+        <p14:creationId xmlns:p14="http://schemas.microsoft.com/office/powerpoint/2010/main" val="1"/>
+      </p:ext>
+    </p:extLst>
   </p:cSld>
   <p:clrMap bg1="lt1" tx1="dk1" bg2="lt2" tx2="dk2" accent1="accent1" accent2="accent2" accent3="accent3" accent4="accent4" accent5="accent5" accent6="accent6" hlink="hlink" folHlink="folHlink"/>
 </p:handoutMaster>
 </file>
 
 <file path=ppt/notesMasters/notesMaster1.xml><?xml version="1.0" encoding="utf-8"?>
-<p:notesMaster xmlns:r="http://schemas.openxmlformats.org/officeDocument/2006/relationships" xmlns:c="http://schemas.openxmlformats.org/drawingml/2006/chart" xmlns:a="http://schemas.openxmlformats.org/drawingml/2006/main" xmlns:dgm="http://schemas.openxmlformats.org/drawingml/2006/diagram" xmlns:dsp="http://schemas.microsoft.com/office/drawing/2008/diagram" xmlns:p="http://schemas.openxmlformats.org/presentationml/2006/main">
+<p:notesMaster xmlns:a="http://schemas.openxmlformats.org/drawingml/2006/main" xmlns:r="http://schemas.openxmlformats.org/officeDocument/2006/relationships" xmlns:p="http://schemas.openxmlformats.org/presentationml/2006/main">
   <p:cSld>
     <p:bg>
       <p:bgRef idx="1001">
@@ -382,7 +393,7 @@
             <a:spLocks noGrp="1"/>
           </p:cNvSpPr>
           <p:nvPr>
-            <p:ph type="hdr" sz="quarter" idx="0"/>
+            <p:ph type="hdr" sz="quarter"/>
           </p:nvPr>
         </p:nvSpPr>
         <p:spPr>
@@ -405,10 +416,6 @@
             <a:pPr lvl="0">
               <a:defRPr lang="ko-KR" altLang="en-US"/>
             </a:pPr>
-            <a:r>
-              <a:rPr lang="ko-KR" altLang="en-US"/>
-              <a:t/>
-            </a:r>
             <a:endParaRPr lang="ko-KR" altLang="en-US"/>
           </a:p>
         </p:txBody>
@@ -448,7 +455,7 @@
               <a:pPr lvl="0">
                 <a:defRPr lang="ko-KR" altLang="en-US"/>
               </a:pPr>
-              <a:t>2022-12-18</a:t>
+              <a:t>2022-12-19</a:t>
             </a:fld>
             <a:endParaRPr lang="ko-KR" altLang="en-US"/>
           </a:p>
@@ -522,7 +529,6 @@
               <a:rPr lang="ko-KR" altLang="en-US"/>
               <a:t>마스터 텍스트 스타일을 편집합니다</a:t>
             </a:r>
-            <a:endParaRPr lang="ko-KR" altLang="en-US"/>
           </a:p>
           <a:p>
             <a:pPr lvl="1">
@@ -532,7 +538,6 @@
               <a:rPr lang="ko-KR" altLang="en-US"/>
               <a:t>둘째 수준</a:t>
             </a:r>
-            <a:endParaRPr lang="ko-KR" altLang="en-US"/>
           </a:p>
           <a:p>
             <a:pPr lvl="2">
@@ -542,7 +547,6 @@
               <a:rPr lang="ko-KR" altLang="en-US"/>
               <a:t>셋째 수준</a:t>
             </a:r>
-            <a:endParaRPr lang="ko-KR" altLang="en-US"/>
           </a:p>
           <a:p>
             <a:pPr lvl="3">
@@ -552,7 +556,6 @@
               <a:rPr lang="ko-KR" altLang="en-US"/>
               <a:t>넷째 수준</a:t>
             </a:r>
-            <a:endParaRPr lang="ko-KR" altLang="en-US"/>
           </a:p>
           <a:p>
             <a:pPr lvl="4">
@@ -562,7 +565,6 @@
               <a:rPr lang="ko-KR" altLang="en-US"/>
               <a:t>다섯째 수준</a:t>
             </a:r>
-            <a:endParaRPr lang="ko-KR" altLang="en-US"/>
           </a:p>
         </p:txBody>
       </p:sp>
@@ -596,10 +598,6 @@
             <a:pPr lvl="0">
               <a:defRPr lang="ko-KR" altLang="en-US"/>
             </a:pPr>
-            <a:r>
-              <a:rPr lang="ko-KR" altLang="en-US"/>
-              <a:t/>
-            </a:r>
             <a:endParaRPr lang="ko-KR" altLang="en-US"/>
           </a:p>
         </p:txBody>
@@ -745,7 +743,7 @@
 </file>
 
 <file path=ppt/notesSlides/notesSlide1.xml><?xml version="1.0" encoding="utf-8"?>
-<p:notes xmlns:r="http://schemas.openxmlformats.org/officeDocument/2006/relationships" xmlns:c="http://schemas.openxmlformats.org/drawingml/2006/chart" xmlns:a="http://schemas.openxmlformats.org/drawingml/2006/main" xmlns:dgm="http://schemas.openxmlformats.org/drawingml/2006/diagram" xmlns:dsp="http://schemas.microsoft.com/office/drawing/2008/diagram" xmlns:p="http://schemas.openxmlformats.org/presentationml/2006/main">
+<p:notes xmlns:a="http://schemas.openxmlformats.org/drawingml/2006/main" xmlns:r="http://schemas.openxmlformats.org/officeDocument/2006/relationships" xmlns:p="http://schemas.openxmlformats.org/presentationml/2006/main">
   <p:cSld>
     <p:spTree>
       <p:nvGrpSpPr>
@@ -805,7 +803,6 @@
               <a:rPr lang="ko-KR" altLang="en-US"/>
               <a:t>ㅗㅅㅅhhhh</a:t>
             </a:r>
-            <a:endParaRPr lang="ko-KR" altLang="en-US"/>
           </a:p>
         </p:txBody>
       </p:sp>
@@ -975,7 +972,7 @@
           <a:p>
             <a:fld id="{0222B0AA-0559-4EBD-93FE-B84FF1CA7619}" type="datetimeFigureOut">
               <a:rPr lang="ko-KR" altLang="en-US" smtClean="0"/>
-              <a:t>2017-06-16</a:t>
+              <a:t>2022-12-19</a:t>
             </a:fld>
             <a:endParaRPr lang="ko-KR" altLang="en-US"/>
           </a:p>
@@ -1037,7 +1034,7 @@
 </file>
 
 <file path=ppt/slideLayouts/slideLayout10.xml><?xml version="1.0" encoding="utf-8"?>
-<p:sldLayout xmlns:r="http://schemas.openxmlformats.org/officeDocument/2006/relationships" xmlns:c="http://schemas.openxmlformats.org/drawingml/2006/chart" xmlns:a="http://schemas.openxmlformats.org/drawingml/2006/main" xmlns:dgm="http://schemas.openxmlformats.org/drawingml/2006/diagram" xmlns:dsp="http://schemas.microsoft.com/office/drawing/2008/diagram" xmlns:p="http://schemas.openxmlformats.org/presentationml/2006/main" showMasterPhAnim="1" matchingName="제목 및 세로 본문" type="vertTx" preserve="1">
+<p:sldLayout xmlns:a="http://schemas.openxmlformats.org/drawingml/2006/main" xmlns:r="http://schemas.openxmlformats.org/officeDocument/2006/relationships" xmlns:p="http://schemas.openxmlformats.org/presentationml/2006/main" matchingName="제목 및 세로 본문" type="vertTx" preserve="1">
   <p:cSld name="제목 및 세로 본문">
     <p:spTree>
       <p:nvGrpSpPr>
@@ -1060,7 +1057,7 @@
             <a:spLocks noGrp="1"/>
           </p:cNvSpPr>
           <p:nvPr>
-            <p:ph type="title" idx="0"/>
+            <p:ph type="title"/>
           </p:nvPr>
         </p:nvSpPr>
         <p:spPr/>
@@ -1075,7 +1072,6 @@
               <a:rPr lang="ko-KR" altLang="en-US"/>
               <a:t>마스터 제목 스타일 편집</a:t>
             </a:r>
-            <a:endParaRPr lang="ko-KR" altLang="en-US"/>
           </a:p>
         </p:txBody>
       </p:sp>
@@ -1101,7 +1097,6 @@
               <a:rPr lang="ko-KR" altLang="en-US"/>
               <a:t>마스터 텍스트 스타일을 편집합니다</a:t>
             </a:r>
-            <a:endParaRPr lang="ko-KR" altLang="en-US"/>
           </a:p>
           <a:p>
             <a:pPr lvl="1">
@@ -1111,7 +1106,6 @@
               <a:rPr lang="ko-KR" altLang="en-US"/>
               <a:t>둘째 수준</a:t>
             </a:r>
-            <a:endParaRPr lang="ko-KR" altLang="en-US"/>
           </a:p>
           <a:p>
             <a:pPr lvl="2">
@@ -1121,7 +1115,6 @@
               <a:rPr lang="ko-KR" altLang="en-US"/>
               <a:t>셋째 수준</a:t>
             </a:r>
-            <a:endParaRPr lang="ko-KR" altLang="en-US"/>
           </a:p>
           <a:p>
             <a:pPr lvl="3">
@@ -1131,7 +1124,6 @@
               <a:rPr lang="ko-KR" altLang="en-US"/>
               <a:t>넷째 수준</a:t>
             </a:r>
-            <a:endParaRPr lang="ko-KR" altLang="en-US"/>
           </a:p>
           <a:p>
             <a:pPr lvl="4">
@@ -1141,7 +1133,6 @@
               <a:rPr lang="ko-KR" altLang="en-US"/>
               <a:t>다섯째 수준</a:t>
             </a:r>
-            <a:endParaRPr lang="ko-KR" altLang="en-US"/>
           </a:p>
         </p:txBody>
       </p:sp>
@@ -1168,7 +1159,7 @@
               <a:pPr lvl="0">
                 <a:defRPr lang="ko-KR" altLang="en-US"/>
               </a:pPr>
-              <a:t>2018-04-08</a:t>
+              <a:t>2022-12-19</a:t>
             </a:fld>
             <a:endParaRPr lang="ko-KR" altLang="en-US"/>
           </a:p>
@@ -1192,10 +1183,6 @@
             <a:pPr lvl="0">
               <a:defRPr lang="ko-KR" altLang="en-US"/>
             </a:pPr>
-            <a:r>
-              <a:rPr lang="ko-KR" altLang="en-US"/>
-              <a:t/>
-            </a:r>
             <a:endParaRPr lang="ko-KR" altLang="en-US"/>
           </a:p>
         </p:txBody>
@@ -1234,12 +1221,12 @@
   <p:clrMapOvr>
     <a:masterClrMapping/>
   </p:clrMapOvr>
-  <p:transition xmlns:mc="http://schemas.openxmlformats.org/markup-compatibility/2006" xmlns:hp="http://schemas.haansoft.com/office/presentation/8.0" mc:Ignorable="hp" hp:hslDur="500"/>
+  <p:transition/>
 </p:sldLayout>
 </file>
 
 <file path=ppt/slideLayouts/slideLayout11.xml><?xml version="1.0" encoding="utf-8"?>
-<p:sldLayout xmlns:r="http://schemas.openxmlformats.org/officeDocument/2006/relationships" xmlns:c="http://schemas.openxmlformats.org/drawingml/2006/chart" xmlns:a="http://schemas.openxmlformats.org/drawingml/2006/main" xmlns:dgm="http://schemas.openxmlformats.org/drawingml/2006/diagram" xmlns:dsp="http://schemas.microsoft.com/office/drawing/2008/diagram" xmlns:p="http://schemas.openxmlformats.org/presentationml/2006/main" showMasterPhAnim="1" matchingName="세로 제목 및 본문" type="vertTitleAndTx" preserve="1">
+<p:sldLayout xmlns:a="http://schemas.openxmlformats.org/drawingml/2006/main" xmlns:r="http://schemas.openxmlformats.org/officeDocument/2006/relationships" xmlns:p="http://schemas.openxmlformats.org/presentationml/2006/main" matchingName="세로 제목 및 본문" type="vertTitleAndTx" preserve="1">
   <p:cSld name="세로 제목 및 본문">
     <p:spTree>
       <p:nvGrpSpPr>
@@ -1262,7 +1249,7 @@
             <a:spLocks noGrp="1"/>
           </p:cNvSpPr>
           <p:nvPr>
-            <p:ph type="title" orient="vert" idx="0"/>
+            <p:ph type="title" orient="vert"/>
           </p:nvPr>
         </p:nvSpPr>
         <p:spPr>
@@ -1282,7 +1269,6 @@
               <a:rPr lang="ko-KR" altLang="en-US"/>
               <a:t>마스터 제목 스타일 편집</a:t>
             </a:r>
-            <a:endParaRPr lang="ko-KR" altLang="en-US"/>
           </a:p>
         </p:txBody>
       </p:sp>
@@ -1313,7 +1299,6 @@
               <a:rPr lang="ko-KR" altLang="en-US"/>
               <a:t>마스터 텍스트 스타일을 편집합니다</a:t>
             </a:r>
-            <a:endParaRPr lang="ko-KR" altLang="en-US"/>
           </a:p>
           <a:p>
             <a:pPr lvl="1">
@@ -1323,7 +1308,6 @@
               <a:rPr lang="ko-KR" altLang="en-US"/>
               <a:t>둘째 수준</a:t>
             </a:r>
-            <a:endParaRPr lang="ko-KR" altLang="en-US"/>
           </a:p>
           <a:p>
             <a:pPr lvl="2">
@@ -1333,7 +1317,6 @@
               <a:rPr lang="ko-KR" altLang="en-US"/>
               <a:t>셋째 수준</a:t>
             </a:r>
-            <a:endParaRPr lang="ko-KR" altLang="en-US"/>
           </a:p>
           <a:p>
             <a:pPr lvl="3">
@@ -1343,7 +1326,6 @@
               <a:rPr lang="ko-KR" altLang="en-US"/>
               <a:t>넷째 수준</a:t>
             </a:r>
-            <a:endParaRPr lang="ko-KR" altLang="en-US"/>
           </a:p>
           <a:p>
             <a:pPr lvl="4">
@@ -1353,7 +1335,6 @@
               <a:rPr lang="ko-KR" altLang="en-US"/>
               <a:t>다섯째 수준</a:t>
             </a:r>
-            <a:endParaRPr lang="ko-KR" altLang="en-US"/>
           </a:p>
         </p:txBody>
       </p:sp>
@@ -1380,7 +1361,7 @@
               <a:pPr lvl="0">
                 <a:defRPr lang="ko-KR" altLang="en-US"/>
               </a:pPr>
-              <a:t>2018-04-08</a:t>
+              <a:t>2022-12-19</a:t>
             </a:fld>
             <a:endParaRPr lang="ko-KR" altLang="en-US"/>
           </a:p>
@@ -1404,10 +1385,6 @@
             <a:pPr lvl="0">
               <a:defRPr lang="ko-KR" altLang="en-US"/>
             </a:pPr>
-            <a:r>
-              <a:rPr lang="ko-KR" altLang="en-US"/>
-              <a:t/>
-            </a:r>
             <a:endParaRPr lang="ko-KR" altLang="en-US"/>
           </a:p>
         </p:txBody>
@@ -1446,12 +1423,12 @@
   <p:clrMapOvr>
     <a:masterClrMapping/>
   </p:clrMapOvr>
-  <p:transition xmlns:mc="http://schemas.openxmlformats.org/markup-compatibility/2006" xmlns:hp="http://schemas.haansoft.com/office/presentation/8.0" mc:Ignorable="hp" hp:hslDur="500"/>
+  <p:transition/>
 </p:sldLayout>
 </file>
 
 <file path=ppt/slideLayouts/slideLayout12.xml><?xml version="1.0" encoding="utf-8"?>
-<p:sldLayout xmlns:r="http://schemas.openxmlformats.org/officeDocument/2006/relationships" xmlns:c="http://schemas.openxmlformats.org/drawingml/2006/chart" xmlns:a="http://schemas.openxmlformats.org/drawingml/2006/main" xmlns:dgm="http://schemas.openxmlformats.org/drawingml/2006/diagram" xmlns:dsp="http://schemas.microsoft.com/office/drawing/2008/diagram" xmlns:p="http://schemas.openxmlformats.org/presentationml/2006/main" showMasterPhAnim="1" matchingName="본문 및 미디어" type="txAndMedia" preserve="1" userDrawn="1">
+<p:sldLayout xmlns:a="http://schemas.openxmlformats.org/drawingml/2006/main" xmlns:r="http://schemas.openxmlformats.org/officeDocument/2006/relationships" xmlns:p="http://schemas.openxmlformats.org/presentationml/2006/main" matchingName="본문 및 미디어" type="txAndMedia" preserve="1" userDrawn="1">
   <p:cSld name="본문 및 미디어">
     <p:spTree>
       <p:nvGrpSpPr>
@@ -1474,7 +1451,7 @@
             <a:spLocks noGrp="1"/>
           </p:cNvSpPr>
           <p:nvPr>
-            <p:ph type="title" idx="0"/>
+            <p:ph type="title"/>
           </p:nvPr>
         </p:nvSpPr>
         <p:spPr/>
@@ -1489,7 +1466,6 @@
               <a:rPr lang="ko-KR" altLang="en-US"/>
               <a:t>마스터 제목 스타일 편집</a:t>
             </a:r>
-            <a:endParaRPr lang="ko-KR" altLang="en-US"/>
           </a:p>
         </p:txBody>
       </p:sp>
@@ -1548,7 +1524,6 @@
               <a:rPr lang="ko-KR" altLang="en-US"/>
               <a:t>마스터 텍스트 스타일을 편집합니다</a:t>
             </a:r>
-            <a:endParaRPr lang="ko-KR" altLang="en-US"/>
           </a:p>
           <a:p>
             <a:pPr lvl="1">
@@ -1558,7 +1533,6 @@
               <a:rPr lang="ko-KR" altLang="en-US"/>
               <a:t>둘째 수준</a:t>
             </a:r>
-            <a:endParaRPr lang="ko-KR" altLang="en-US"/>
           </a:p>
           <a:p>
             <a:pPr lvl="2">
@@ -1568,7 +1542,6 @@
               <a:rPr lang="ko-KR" altLang="en-US"/>
               <a:t>셋째 수준</a:t>
             </a:r>
-            <a:endParaRPr lang="ko-KR" altLang="en-US"/>
           </a:p>
           <a:p>
             <a:pPr lvl="3">
@@ -1578,7 +1551,6 @@
               <a:rPr lang="ko-KR" altLang="en-US"/>
               <a:t>넷째 수준</a:t>
             </a:r>
-            <a:endParaRPr lang="ko-KR" altLang="en-US"/>
           </a:p>
           <a:p>
             <a:pPr lvl="4">
@@ -1588,7 +1560,6 @@
               <a:rPr lang="ko-KR" altLang="en-US"/>
               <a:t>다섯째 수준</a:t>
             </a:r>
-            <a:endParaRPr lang="ko-KR" altLang="en-US"/>
           </a:p>
         </p:txBody>
       </p:sp>
@@ -1626,7 +1597,6 @@
               <a:rPr lang="ko-KR" altLang="en-US"/>
               <a:t>미디어를 추가하려면 아이콘을 누르십시오</a:t>
             </a:r>
-            <a:endParaRPr lang="ko-KR" altLang="en-US"/>
           </a:p>
         </p:txBody>
       </p:sp>
@@ -1653,7 +1623,7 @@
               <a:pPr lvl="0">
                 <a:defRPr lang="ko-KR" altLang="en-US"/>
               </a:pPr>
-              <a:t>2018-04-07</a:t>
+              <a:t>2022-12-19</a:t>
             </a:fld>
             <a:endParaRPr lang="ko-KR" altLang="en-US"/>
           </a:p>
@@ -1677,10 +1647,6 @@
             <a:pPr lvl="0" latinLnBrk="1">
               <a:defRPr lang="ko-KR" altLang="en-US"/>
             </a:pPr>
-            <a:r>
-              <a:rPr lang="ko-KR" altLang="en-US"/>
-              <a:t/>
-            </a:r>
             <a:endParaRPr lang="ko-KR" altLang="en-US"/>
           </a:p>
         </p:txBody>
@@ -1719,12 +1685,12 @@
   <p:clrMapOvr>
     <a:masterClrMapping/>
   </p:clrMapOvr>
-  <p:transition xmlns:mc="http://schemas.openxmlformats.org/markup-compatibility/2006" xmlns:hp="http://schemas.haansoft.com/office/presentation/8.0" mc:Ignorable="hp" hp:hslDur="500"/>
+  <p:transition/>
 </p:sldLayout>
 </file>
 
 <file path=ppt/slideLayouts/slideLayout13.xml><?xml version="1.0" encoding="utf-8"?>
-<p:sldLayout xmlns:r="http://schemas.openxmlformats.org/officeDocument/2006/relationships" xmlns:c="http://schemas.openxmlformats.org/drawingml/2006/chart" xmlns:a="http://schemas.openxmlformats.org/drawingml/2006/main" xmlns:dgm="http://schemas.openxmlformats.org/drawingml/2006/diagram" xmlns:dsp="http://schemas.microsoft.com/office/drawing/2008/diagram" xmlns:p="http://schemas.openxmlformats.org/presentationml/2006/main" showMasterPhAnim="1" matchingName="제목 및 표" type="tbl" preserve="1" userDrawn="1">
+<p:sldLayout xmlns:a="http://schemas.openxmlformats.org/drawingml/2006/main" xmlns:r="http://schemas.openxmlformats.org/officeDocument/2006/relationships" xmlns:p="http://schemas.openxmlformats.org/presentationml/2006/main" matchingName="제목 및 표" type="tbl" preserve="1" userDrawn="1">
   <p:cSld name="제목 및 표">
     <p:spTree>
       <p:nvGrpSpPr>
@@ -1747,7 +1713,7 @@
             <a:spLocks noGrp="1"/>
           </p:cNvSpPr>
           <p:nvPr>
-            <p:ph type="title" idx="0"/>
+            <p:ph type="title"/>
           </p:nvPr>
         </p:nvSpPr>
         <p:spPr/>
@@ -1762,7 +1728,6 @@
               <a:rPr lang="ko-KR" altLang="en-US"/>
               <a:t>마스터 제목 스타일 편집</a:t>
             </a:r>
-            <a:endParaRPr lang="ko-KR" altLang="en-US"/>
           </a:p>
         </p:txBody>
       </p:sp>
@@ -1798,7 +1763,6 @@
               <a:rPr lang="ko-KR" altLang="en-US"/>
               <a:t>표를 추가하려면 아이콘을 누르십시오</a:t>
             </a:r>
-            <a:endParaRPr lang="ko-KR" altLang="en-US"/>
           </a:p>
         </p:txBody>
       </p:sp>
@@ -1825,7 +1789,7 @@
               <a:pPr lvl="0">
                 <a:defRPr lang="ko-KR" altLang="en-US"/>
               </a:pPr>
-              <a:t>2018-04-08</a:t>
+              <a:t>2022-12-19</a:t>
             </a:fld>
             <a:endParaRPr lang="ko-KR" altLang="en-US"/>
           </a:p>
@@ -1849,10 +1813,6 @@
             <a:pPr lvl="0">
               <a:defRPr lang="ko-KR" altLang="en-US"/>
             </a:pPr>
-            <a:r>
-              <a:rPr lang="ko-KR" altLang="en-US"/>
-              <a:t/>
-            </a:r>
             <a:endParaRPr lang="ko-KR" altLang="en-US"/>
           </a:p>
         </p:txBody>
@@ -1891,12 +1851,12 @@
   <p:clrMapOvr>
     <a:masterClrMapping/>
   </p:clrMapOvr>
-  <p:transition xmlns:mc="http://schemas.openxmlformats.org/markup-compatibility/2006" xmlns:hp="http://schemas.haansoft.com/office/presentation/8.0" mc:Ignorable="hp" hp:hslDur="500"/>
+  <p:transition/>
 </p:sldLayout>
 </file>
 
 <file path=ppt/slideLayouts/slideLayout14.xml><?xml version="1.0" encoding="utf-8"?>
-<p:sldLayout xmlns:r="http://schemas.openxmlformats.org/officeDocument/2006/relationships" xmlns:c="http://schemas.openxmlformats.org/drawingml/2006/chart" xmlns:a="http://schemas.openxmlformats.org/drawingml/2006/main" xmlns:dgm="http://schemas.openxmlformats.org/drawingml/2006/diagram" xmlns:dsp="http://schemas.microsoft.com/office/drawing/2008/diagram" xmlns:p="http://schemas.openxmlformats.org/presentationml/2006/main" showMasterPhAnim="1" matchingName="그림 및 본문" type="mediaAndTx" preserve="1" userDrawn="1">
+<p:sldLayout xmlns:a="http://schemas.openxmlformats.org/drawingml/2006/main" xmlns:r="http://schemas.openxmlformats.org/officeDocument/2006/relationships" xmlns:p="http://schemas.openxmlformats.org/presentationml/2006/main" matchingName="그림 및 본문" type="mediaAndTx" preserve="1" userDrawn="1">
   <p:cSld name="그림 및 본문">
     <p:spTree>
       <p:nvGrpSpPr>
@@ -1919,7 +1879,7 @@
             <a:spLocks noGrp="1"/>
           </p:cNvSpPr>
           <p:nvPr>
-            <p:ph type="title" idx="0"/>
+            <p:ph type="title"/>
           </p:nvPr>
         </p:nvSpPr>
         <p:spPr/>
@@ -1934,7 +1894,6 @@
               <a:rPr lang="ko-KR" altLang="en-US"/>
               <a:t>마스터 제목 스타일 편집</a:t>
             </a:r>
-            <a:endParaRPr lang="ko-KR" altLang="en-US"/>
           </a:p>
         </p:txBody>
       </p:sp>
@@ -1972,7 +1931,6 @@
               <a:rPr lang="ko-KR" altLang="en-US"/>
               <a:t>그림을 추가하려면 아이콘을 누르십시오</a:t>
             </a:r>
-            <a:endParaRPr lang="ko-KR" altLang="en-US"/>
           </a:p>
         </p:txBody>
       </p:sp>
@@ -2031,7 +1989,6 @@
               <a:rPr lang="ko-KR" altLang="en-US"/>
               <a:t>마스터 텍스트 스타일을 편집합니다</a:t>
             </a:r>
-            <a:endParaRPr lang="ko-KR" altLang="en-US"/>
           </a:p>
           <a:p>
             <a:pPr lvl="1">
@@ -2041,7 +1998,6 @@
               <a:rPr lang="ko-KR" altLang="en-US"/>
               <a:t>둘째 수준</a:t>
             </a:r>
-            <a:endParaRPr lang="ko-KR" altLang="en-US"/>
           </a:p>
           <a:p>
             <a:pPr lvl="2">
@@ -2051,7 +2007,6 @@
               <a:rPr lang="ko-KR" altLang="en-US"/>
               <a:t>셋째 수준</a:t>
             </a:r>
-            <a:endParaRPr lang="ko-KR" altLang="en-US"/>
           </a:p>
           <a:p>
             <a:pPr lvl="3">
@@ -2061,7 +2016,6 @@
               <a:rPr lang="ko-KR" altLang="en-US"/>
               <a:t>넷째 수준</a:t>
             </a:r>
-            <a:endParaRPr lang="ko-KR" altLang="en-US"/>
           </a:p>
           <a:p>
             <a:pPr lvl="4">
@@ -2071,7 +2025,6 @@
               <a:rPr lang="ko-KR" altLang="en-US"/>
               <a:t>다섯째 수준</a:t>
             </a:r>
-            <a:endParaRPr lang="ko-KR" altLang="en-US"/>
           </a:p>
         </p:txBody>
       </p:sp>
@@ -2098,7 +2051,7 @@
               <a:pPr lvl="0">
                 <a:defRPr lang="ko-KR" altLang="en-US"/>
               </a:pPr>
-              <a:t>2018-04-08</a:t>
+              <a:t>2022-12-19</a:t>
             </a:fld>
             <a:endParaRPr lang="ko-KR" altLang="en-US"/>
           </a:p>
@@ -2122,10 +2075,6 @@
             <a:pPr lvl="0" latinLnBrk="1">
               <a:defRPr lang="ko-KR" altLang="en-US"/>
             </a:pPr>
-            <a:r>
-              <a:rPr lang="ko-KR" altLang="en-US"/>
-              <a:t/>
-            </a:r>
             <a:endParaRPr lang="ko-KR" altLang="en-US"/>
           </a:p>
         </p:txBody>
@@ -2164,12 +2113,12 @@
   <p:clrMapOvr>
     <a:masterClrMapping/>
   </p:clrMapOvr>
-  <p:transition xmlns:mc="http://schemas.openxmlformats.org/markup-compatibility/2006" xmlns:hp="http://schemas.haansoft.com/office/presentation/8.0" mc:Ignorable="hp" hp:hslDur="500"/>
+  <p:transition/>
 </p:sldLayout>
 </file>
 
 <file path=ppt/slideLayouts/slideLayout15.xml><?xml version="1.0" encoding="utf-8"?>
-<p:sldLayout xmlns:r="http://schemas.openxmlformats.org/officeDocument/2006/relationships" xmlns:c="http://schemas.openxmlformats.org/drawingml/2006/chart" xmlns:a="http://schemas.openxmlformats.org/drawingml/2006/main" xmlns:dgm="http://schemas.openxmlformats.org/drawingml/2006/diagram" xmlns:dsp="http://schemas.microsoft.com/office/drawing/2008/diagram" xmlns:p="http://schemas.openxmlformats.org/presentationml/2006/main" showMasterPhAnim="1" matchingName="제목 및 본문" type="tx" preserve="1" userDrawn="1">
+<p:sldLayout xmlns:a="http://schemas.openxmlformats.org/drawingml/2006/main" xmlns:r="http://schemas.openxmlformats.org/officeDocument/2006/relationships" xmlns:p="http://schemas.openxmlformats.org/presentationml/2006/main" matchingName="제목 및 본문" type="tx" preserve="1" userDrawn="1">
   <p:cSld name="제목 및 본문">
     <p:spTree>
       <p:nvGrpSpPr>
@@ -2192,7 +2141,7 @@
             <a:spLocks noGrp="1"/>
           </p:cNvSpPr>
           <p:nvPr>
-            <p:ph type="title" idx="0"/>
+            <p:ph type="title"/>
           </p:nvPr>
         </p:nvSpPr>
         <p:spPr/>
@@ -2207,7 +2156,6 @@
               <a:rPr lang="ko-KR" altLang="en-US"/>
               <a:t>마스터 제목 스타일 편집</a:t>
             </a:r>
-            <a:endParaRPr lang="ko-KR" altLang="en-US"/>
           </a:p>
         </p:txBody>
       </p:sp>
@@ -2233,7 +2181,6 @@
               <a:rPr lang="ko-KR" altLang="en-US"/>
               <a:t>마스터 텍스트 스타일을 편집합니다</a:t>
             </a:r>
-            <a:endParaRPr lang="ko-KR" altLang="en-US"/>
           </a:p>
           <a:p>
             <a:pPr lvl="1">
@@ -2243,7 +2190,6 @@
               <a:rPr lang="ko-KR" altLang="en-US"/>
               <a:t>둘째 수준</a:t>
             </a:r>
-            <a:endParaRPr lang="ko-KR" altLang="en-US"/>
           </a:p>
           <a:p>
             <a:pPr lvl="2">
@@ -2253,7 +2199,6 @@
               <a:rPr lang="ko-KR" altLang="en-US"/>
               <a:t>셋째 수준</a:t>
             </a:r>
-            <a:endParaRPr lang="ko-KR" altLang="en-US"/>
           </a:p>
           <a:p>
             <a:pPr lvl="3">
@@ -2263,7 +2208,6 @@
               <a:rPr lang="ko-KR" altLang="en-US"/>
               <a:t>넷째 수준</a:t>
             </a:r>
-            <a:endParaRPr lang="ko-KR" altLang="en-US"/>
           </a:p>
           <a:p>
             <a:pPr lvl="4">
@@ -2273,7 +2217,6 @@
               <a:rPr lang="ko-KR" altLang="en-US"/>
               <a:t>다섯째 수준</a:t>
             </a:r>
-            <a:endParaRPr lang="ko-KR" altLang="en-US"/>
           </a:p>
         </p:txBody>
       </p:sp>
@@ -2300,7 +2243,7 @@
               <a:pPr lvl="0">
                 <a:defRPr lang="ko-KR" altLang="en-US"/>
               </a:pPr>
-              <a:t>2018-04-08</a:t>
+              <a:t>2022-12-19</a:t>
             </a:fld>
             <a:endParaRPr lang="ko-KR" altLang="en-US"/>
           </a:p>
@@ -2324,10 +2267,6 @@
             <a:pPr lvl="0">
               <a:defRPr lang="ko-KR" altLang="en-US"/>
             </a:pPr>
-            <a:r>
-              <a:rPr lang="ko-KR" altLang="en-US"/>
-              <a:t/>
-            </a:r>
             <a:endParaRPr lang="ko-KR" altLang="en-US"/>
           </a:p>
         </p:txBody>
@@ -2366,7 +2305,7 @@
   <p:clrMapOvr>
     <a:masterClrMapping/>
   </p:clrMapOvr>
-  <p:transition xmlns:mc="http://schemas.openxmlformats.org/markup-compatibility/2006" xmlns:hp="http://schemas.haansoft.com/office/presentation/8.0" mc:Ignorable="hp" hp:hslDur="500"/>
+  <p:transition/>
 </p:sldLayout>
 </file>
 
@@ -2477,7 +2416,7 @@
           <a:p>
             <a:fld id="{0222B0AA-0559-4EBD-93FE-B84FF1CA7619}" type="datetimeFigureOut">
               <a:rPr lang="ko-KR" altLang="en-US" smtClean="0"/>
-              <a:t>2017-06-16</a:t>
+              <a:t>2022-12-19</a:t>
             </a:fld>
             <a:endParaRPr lang="ko-KR" altLang="en-US"/>
           </a:p>
@@ -2539,7 +2478,7 @@
 </file>
 
 <file path=ppt/slideLayouts/slideLayout3.xml><?xml version="1.0" encoding="utf-8"?>
-<p:sldLayout xmlns:r="http://schemas.openxmlformats.org/officeDocument/2006/relationships" xmlns:c="http://schemas.openxmlformats.org/drawingml/2006/chart" xmlns:a="http://schemas.openxmlformats.org/drawingml/2006/main" xmlns:dgm="http://schemas.openxmlformats.org/drawingml/2006/diagram" xmlns:dsp="http://schemas.microsoft.com/office/drawing/2008/diagram" xmlns:p="http://schemas.openxmlformats.org/presentationml/2006/main" showMasterPhAnim="1" matchingName="구역 머리글" type="secHead" preserve="1">
+<p:sldLayout xmlns:a="http://schemas.openxmlformats.org/drawingml/2006/main" xmlns:r="http://schemas.openxmlformats.org/officeDocument/2006/relationships" xmlns:p="http://schemas.openxmlformats.org/presentationml/2006/main" matchingName="구역 머리글" type="secHead" preserve="1">
   <p:cSld name="구역 머리글">
     <p:spTree>
       <p:nvGrpSpPr>
@@ -2562,7 +2501,7 @@
             <a:spLocks noGrp="1"/>
           </p:cNvSpPr>
           <p:nvPr>
-            <p:ph type="title" idx="0"/>
+            <p:ph type="title"/>
           </p:nvPr>
         </p:nvSpPr>
         <p:spPr>
@@ -2586,7 +2525,6 @@
               <a:rPr lang="ko-KR" altLang="en-US"/>
               <a:t>마스터 제목 스타일 편집</a:t>
             </a:r>
-            <a:endParaRPr lang="ko-KR" altLang="en-US"/>
           </a:p>
         </p:txBody>
       </p:sp>
@@ -2708,7 +2646,6 @@
               <a:rPr lang="ko-KR" altLang="en-US"/>
               <a:t>마스터 텍스트 스타일을 편집합니다</a:t>
             </a:r>
-            <a:endParaRPr lang="ko-KR" altLang="en-US"/>
           </a:p>
         </p:txBody>
       </p:sp>
@@ -2735,7 +2672,7 @@
               <a:pPr lvl="0">
                 <a:defRPr lang="ko-KR" altLang="en-US"/>
               </a:pPr>
-              <a:t>2018-04-08</a:t>
+              <a:t>2022-12-19</a:t>
             </a:fld>
             <a:endParaRPr lang="ko-KR" altLang="en-US"/>
           </a:p>
@@ -2759,10 +2696,6 @@
             <a:pPr lvl="0">
               <a:defRPr lang="ko-KR" altLang="en-US"/>
             </a:pPr>
-            <a:r>
-              <a:rPr lang="ko-KR" altLang="en-US"/>
-              <a:t/>
-            </a:r>
             <a:endParaRPr lang="ko-KR" altLang="en-US"/>
           </a:p>
         </p:txBody>
@@ -2801,12 +2734,12 @@
   <p:clrMapOvr>
     <a:masterClrMapping/>
   </p:clrMapOvr>
-  <p:transition xmlns:mc="http://schemas.openxmlformats.org/markup-compatibility/2006" xmlns:hp="http://schemas.haansoft.com/office/presentation/8.0" mc:Ignorable="hp" hp:hslDur="500"/>
+  <p:transition/>
 </p:sldLayout>
 </file>
 
 <file path=ppt/slideLayouts/slideLayout4.xml><?xml version="1.0" encoding="utf-8"?>
-<p:sldLayout xmlns:r="http://schemas.openxmlformats.org/officeDocument/2006/relationships" xmlns:c="http://schemas.openxmlformats.org/drawingml/2006/chart" xmlns:a="http://schemas.openxmlformats.org/drawingml/2006/main" xmlns:dgm="http://schemas.openxmlformats.org/drawingml/2006/diagram" xmlns:dsp="http://schemas.microsoft.com/office/drawing/2008/diagram" xmlns:p="http://schemas.openxmlformats.org/presentationml/2006/main" showMasterPhAnim="1" matchingName="제목 및 내용 2개" type="twoObj" preserve="1">
+<p:sldLayout xmlns:a="http://schemas.openxmlformats.org/drawingml/2006/main" xmlns:r="http://schemas.openxmlformats.org/officeDocument/2006/relationships" xmlns:p="http://schemas.openxmlformats.org/presentationml/2006/main" matchingName="제목 및 내용 2개" type="twoObj" preserve="1">
   <p:cSld name="제목 및 내용 2개">
     <p:spTree>
       <p:nvGrpSpPr>
@@ -2829,7 +2762,7 @@
             <a:spLocks noGrp="1"/>
           </p:cNvSpPr>
           <p:nvPr>
-            <p:ph type="title" idx="0"/>
+            <p:ph type="title"/>
           </p:nvPr>
         </p:nvSpPr>
         <p:spPr/>
@@ -2844,7 +2777,6 @@
               <a:rPr lang="ko-KR" altLang="en-US"/>
               <a:t>마스터 제목 스타일 편집</a:t>
             </a:r>
-            <a:endParaRPr lang="ko-KR" altLang="en-US"/>
           </a:p>
         </p:txBody>
       </p:sp>
@@ -2875,7 +2807,6 @@
               <a:rPr lang="ko-KR" altLang="en-US"/>
               <a:t>마스터 텍스트 스타일을 편집합니다</a:t>
             </a:r>
-            <a:endParaRPr lang="ko-KR" altLang="en-US"/>
           </a:p>
           <a:p>
             <a:pPr lvl="1">
@@ -2885,7 +2816,6 @@
               <a:rPr lang="ko-KR" altLang="en-US"/>
               <a:t>둘째 수준</a:t>
             </a:r>
-            <a:endParaRPr lang="ko-KR" altLang="en-US"/>
           </a:p>
           <a:p>
             <a:pPr lvl="2">
@@ -2895,7 +2825,6 @@
               <a:rPr lang="ko-KR" altLang="en-US"/>
               <a:t>셋째 수준</a:t>
             </a:r>
-            <a:endParaRPr lang="ko-KR" altLang="en-US"/>
           </a:p>
           <a:p>
             <a:pPr lvl="3">
@@ -2905,7 +2834,6 @@
               <a:rPr lang="ko-KR" altLang="en-US"/>
               <a:t>넷째 수준</a:t>
             </a:r>
-            <a:endParaRPr lang="ko-KR" altLang="en-US"/>
           </a:p>
           <a:p>
             <a:pPr lvl="4">
@@ -2915,7 +2843,6 @@
               <a:rPr lang="ko-KR" altLang="en-US"/>
               <a:t>다섯째 수준</a:t>
             </a:r>
-            <a:endParaRPr lang="ko-KR" altLang="en-US"/>
           </a:p>
         </p:txBody>
       </p:sp>
@@ -2946,7 +2873,6 @@
               <a:rPr lang="ko-KR" altLang="en-US"/>
               <a:t>마스터 텍스트 스타일을 편집합니다</a:t>
             </a:r>
-            <a:endParaRPr lang="ko-KR" altLang="en-US"/>
           </a:p>
           <a:p>
             <a:pPr lvl="1">
@@ -2956,7 +2882,6 @@
               <a:rPr lang="ko-KR" altLang="en-US"/>
               <a:t>둘째 수준</a:t>
             </a:r>
-            <a:endParaRPr lang="ko-KR" altLang="en-US"/>
           </a:p>
           <a:p>
             <a:pPr lvl="2">
@@ -2966,7 +2891,6 @@
               <a:rPr lang="ko-KR" altLang="en-US"/>
               <a:t>셋째 수준</a:t>
             </a:r>
-            <a:endParaRPr lang="ko-KR" altLang="en-US"/>
           </a:p>
           <a:p>
             <a:pPr lvl="3">
@@ -2976,7 +2900,6 @@
               <a:rPr lang="ko-KR" altLang="en-US"/>
               <a:t>넷째 수준</a:t>
             </a:r>
-            <a:endParaRPr lang="ko-KR" altLang="en-US"/>
           </a:p>
           <a:p>
             <a:pPr lvl="4">
@@ -2986,7 +2909,6 @@
               <a:rPr lang="ko-KR" altLang="en-US"/>
               <a:t>다섯째 수준</a:t>
             </a:r>
-            <a:endParaRPr lang="ko-KR" altLang="en-US"/>
           </a:p>
         </p:txBody>
       </p:sp>
@@ -3013,7 +2935,7 @@
               <a:pPr lvl="0">
                 <a:defRPr lang="ko-KR" altLang="en-US"/>
               </a:pPr>
-              <a:t>2018-04-08</a:t>
+              <a:t>2022-12-19</a:t>
             </a:fld>
             <a:endParaRPr lang="ko-KR" altLang="en-US"/>
           </a:p>
@@ -3037,10 +2959,6 @@
             <a:pPr lvl="0">
               <a:defRPr lang="ko-KR" altLang="en-US"/>
             </a:pPr>
-            <a:r>
-              <a:rPr lang="ko-KR" altLang="en-US"/>
-              <a:t/>
-            </a:r>
             <a:endParaRPr lang="ko-KR" altLang="en-US"/>
           </a:p>
         </p:txBody>
@@ -3079,12 +2997,12 @@
   <p:clrMapOvr>
     <a:masterClrMapping/>
   </p:clrMapOvr>
-  <p:transition xmlns:mc="http://schemas.openxmlformats.org/markup-compatibility/2006" xmlns:hp="http://schemas.haansoft.com/office/presentation/8.0" mc:Ignorable="hp" hp:hslDur="500"/>
+  <p:transition/>
 </p:sldLayout>
 </file>
 
 <file path=ppt/slideLayouts/slideLayout5.xml><?xml version="1.0" encoding="utf-8"?>
-<p:sldLayout xmlns:r="http://schemas.openxmlformats.org/officeDocument/2006/relationships" xmlns:c="http://schemas.openxmlformats.org/drawingml/2006/chart" xmlns:a="http://schemas.openxmlformats.org/drawingml/2006/main" xmlns:dgm="http://schemas.openxmlformats.org/drawingml/2006/diagram" xmlns:dsp="http://schemas.microsoft.com/office/drawing/2008/diagram" xmlns:p="http://schemas.openxmlformats.org/presentationml/2006/main" showMasterPhAnim="1" matchingName="비교" type="twoTxTwoObj" preserve="1">
+<p:sldLayout xmlns:a="http://schemas.openxmlformats.org/drawingml/2006/main" xmlns:r="http://schemas.openxmlformats.org/officeDocument/2006/relationships" xmlns:p="http://schemas.openxmlformats.org/presentationml/2006/main" matchingName="비교" type="twoTxTwoObj" preserve="1">
   <p:cSld name="비교">
     <p:spTree>
       <p:nvGrpSpPr>
@@ -3107,7 +3025,7 @@
             <a:spLocks noGrp="1"/>
           </p:cNvSpPr>
           <p:nvPr>
-            <p:ph type="title" idx="0"/>
+            <p:ph type="title"/>
           </p:nvPr>
         </p:nvSpPr>
         <p:spPr>
@@ -3127,7 +3045,6 @@
               <a:rPr lang="ko-KR" altLang="en-US"/>
               <a:t>마스터 제목 스타일 편집</a:t>
             </a:r>
-            <a:endParaRPr lang="ko-KR" altLang="en-US"/>
           </a:p>
         </p:txBody>
       </p:sp>
@@ -3195,7 +3112,6 @@
               <a:rPr lang="ko-KR" altLang="en-US"/>
               <a:t>마스터 텍스트 스타일을 편집합니다</a:t>
             </a:r>
-            <a:endParaRPr lang="ko-KR" altLang="en-US"/>
           </a:p>
         </p:txBody>
       </p:sp>
@@ -3226,7 +3142,6 @@
               <a:rPr lang="ko-KR" altLang="en-US"/>
               <a:t>마스터 텍스트 스타일을 편집합니다</a:t>
             </a:r>
-            <a:endParaRPr lang="ko-KR" altLang="en-US"/>
           </a:p>
           <a:p>
             <a:pPr lvl="1">
@@ -3236,7 +3151,6 @@
               <a:rPr lang="ko-KR" altLang="en-US"/>
               <a:t>둘째 수준</a:t>
             </a:r>
-            <a:endParaRPr lang="ko-KR" altLang="en-US"/>
           </a:p>
           <a:p>
             <a:pPr lvl="2">
@@ -3246,7 +3160,6 @@
               <a:rPr lang="ko-KR" altLang="en-US"/>
               <a:t>셋째 수준</a:t>
             </a:r>
-            <a:endParaRPr lang="ko-KR" altLang="en-US"/>
           </a:p>
           <a:p>
             <a:pPr lvl="3">
@@ -3256,7 +3169,6 @@
               <a:rPr lang="ko-KR" altLang="en-US"/>
               <a:t>넷째 수준</a:t>
             </a:r>
-            <a:endParaRPr lang="ko-KR" altLang="en-US"/>
           </a:p>
           <a:p>
             <a:pPr lvl="4">
@@ -3266,7 +3178,6 @@
               <a:rPr lang="ko-KR" altLang="en-US"/>
               <a:t>다섯째 수준</a:t>
             </a:r>
-            <a:endParaRPr lang="ko-KR" altLang="en-US"/>
           </a:p>
         </p:txBody>
       </p:sp>
@@ -3334,7 +3245,6 @@
               <a:rPr lang="ko-KR" altLang="en-US"/>
               <a:t>마스터 텍스트 스타일을 편집합니다</a:t>
             </a:r>
-            <a:endParaRPr lang="ko-KR" altLang="en-US"/>
           </a:p>
         </p:txBody>
       </p:sp>
@@ -3365,7 +3275,6 @@
               <a:rPr lang="ko-KR" altLang="en-US"/>
               <a:t>마스터 텍스트 스타일을 편집합니다</a:t>
             </a:r>
-            <a:endParaRPr lang="ko-KR" altLang="en-US"/>
           </a:p>
           <a:p>
             <a:pPr lvl="1">
@@ -3375,7 +3284,6 @@
               <a:rPr lang="ko-KR" altLang="en-US"/>
               <a:t>둘째 수준</a:t>
             </a:r>
-            <a:endParaRPr lang="ko-KR" altLang="en-US"/>
           </a:p>
           <a:p>
             <a:pPr lvl="2">
@@ -3385,7 +3293,6 @@
               <a:rPr lang="ko-KR" altLang="en-US"/>
               <a:t>셋째 수준</a:t>
             </a:r>
-            <a:endParaRPr lang="ko-KR" altLang="en-US"/>
           </a:p>
           <a:p>
             <a:pPr lvl="3">
@@ -3395,7 +3302,6 @@
               <a:rPr lang="ko-KR" altLang="en-US"/>
               <a:t>넷째 수준</a:t>
             </a:r>
-            <a:endParaRPr lang="ko-KR" altLang="en-US"/>
           </a:p>
           <a:p>
             <a:pPr lvl="4">
@@ -3405,7 +3311,6 @@
               <a:rPr lang="ko-KR" altLang="en-US"/>
               <a:t>다섯째 수준</a:t>
             </a:r>
-            <a:endParaRPr lang="ko-KR" altLang="en-US"/>
           </a:p>
         </p:txBody>
       </p:sp>
@@ -3432,7 +3337,7 @@
               <a:pPr lvl="0">
                 <a:defRPr lang="ko-KR" altLang="en-US"/>
               </a:pPr>
-              <a:t>2018-04-08</a:t>
+              <a:t>2022-12-19</a:t>
             </a:fld>
             <a:endParaRPr lang="ko-KR" altLang="en-US"/>
           </a:p>
@@ -3456,10 +3361,6 @@
             <a:pPr lvl="0">
               <a:defRPr lang="ko-KR" altLang="en-US"/>
             </a:pPr>
-            <a:r>
-              <a:rPr lang="ko-KR" altLang="en-US"/>
-              <a:t/>
-            </a:r>
             <a:endParaRPr lang="ko-KR" altLang="en-US"/>
           </a:p>
         </p:txBody>
@@ -3498,12 +3399,12 @@
   <p:clrMapOvr>
     <a:masterClrMapping/>
   </p:clrMapOvr>
-  <p:transition xmlns:mc="http://schemas.openxmlformats.org/markup-compatibility/2006" xmlns:hp="http://schemas.haansoft.com/office/presentation/8.0" mc:Ignorable="hp" hp:hslDur="500"/>
+  <p:transition/>
 </p:sldLayout>
 </file>
 
 <file path=ppt/slideLayouts/slideLayout6.xml><?xml version="1.0" encoding="utf-8"?>
-<p:sldLayout xmlns:r="http://schemas.openxmlformats.org/officeDocument/2006/relationships" xmlns:c="http://schemas.openxmlformats.org/drawingml/2006/chart" xmlns:a="http://schemas.openxmlformats.org/drawingml/2006/main" xmlns:dgm="http://schemas.openxmlformats.org/drawingml/2006/diagram" xmlns:dsp="http://schemas.microsoft.com/office/drawing/2008/diagram" xmlns:p="http://schemas.openxmlformats.org/presentationml/2006/main" showMasterPhAnim="1" matchingName="제목만" type="titleOnly" preserve="1">
+<p:sldLayout xmlns:a="http://schemas.openxmlformats.org/drawingml/2006/main" xmlns:r="http://schemas.openxmlformats.org/officeDocument/2006/relationships" xmlns:p="http://schemas.openxmlformats.org/presentationml/2006/main" matchingName="제목만" type="titleOnly" preserve="1">
   <p:cSld name="제목만">
     <p:spTree>
       <p:nvGrpSpPr>
@@ -3526,7 +3427,7 @@
             <a:spLocks noGrp="1"/>
           </p:cNvSpPr>
           <p:nvPr>
-            <p:ph type="title" idx="0"/>
+            <p:ph type="title"/>
           </p:nvPr>
         </p:nvSpPr>
         <p:spPr/>
@@ -3541,7 +3442,6 @@
               <a:rPr lang="ko-KR" altLang="en-US"/>
               <a:t>마스터 제목 스타일 편집</a:t>
             </a:r>
-            <a:endParaRPr lang="ko-KR" altLang="en-US"/>
           </a:p>
         </p:txBody>
       </p:sp>
@@ -3568,7 +3468,7 @@
               <a:pPr lvl="0">
                 <a:defRPr lang="ko-KR" altLang="en-US"/>
               </a:pPr>
-              <a:t>2018-04-08</a:t>
+              <a:t>2022-12-19</a:t>
             </a:fld>
             <a:endParaRPr lang="ko-KR" altLang="en-US"/>
           </a:p>
@@ -3592,10 +3492,6 @@
             <a:pPr lvl="0">
               <a:defRPr lang="ko-KR" altLang="en-US"/>
             </a:pPr>
-            <a:r>
-              <a:rPr lang="ko-KR" altLang="en-US"/>
-              <a:t/>
-            </a:r>
             <a:endParaRPr lang="ko-KR" altLang="en-US"/>
           </a:p>
         </p:txBody>
@@ -3634,12 +3530,12 @@
   <p:clrMapOvr>
     <a:masterClrMapping/>
   </p:clrMapOvr>
-  <p:transition xmlns:mc="http://schemas.openxmlformats.org/markup-compatibility/2006" xmlns:hp="http://schemas.haansoft.com/office/presentation/8.0" mc:Ignorable="hp" hp:hslDur="500"/>
+  <p:transition/>
 </p:sldLayout>
 </file>
 
 <file path=ppt/slideLayouts/slideLayout7.xml><?xml version="1.0" encoding="utf-8"?>
-<p:sldLayout xmlns:r="http://schemas.openxmlformats.org/officeDocument/2006/relationships" xmlns:c="http://schemas.openxmlformats.org/drawingml/2006/chart" xmlns:a="http://schemas.openxmlformats.org/drawingml/2006/main" xmlns:dgm="http://schemas.openxmlformats.org/drawingml/2006/diagram" xmlns:dsp="http://schemas.microsoft.com/office/drawing/2008/diagram" xmlns:p="http://schemas.openxmlformats.org/presentationml/2006/main" showMasterPhAnim="1" matchingName="빈 화면" type="blank" preserve="1">
+<p:sldLayout xmlns:a="http://schemas.openxmlformats.org/drawingml/2006/main" xmlns:r="http://schemas.openxmlformats.org/officeDocument/2006/relationships" xmlns:p="http://schemas.openxmlformats.org/presentationml/2006/main" matchingName="빈 화면" type="blank" preserve="1">
   <p:cSld name="빈 화면">
     <p:spTree>
       <p:nvGrpSpPr>
@@ -3678,7 +3574,7 @@
               <a:pPr lvl="0">
                 <a:defRPr lang="ko-KR" altLang="en-US"/>
               </a:pPr>
-              <a:t>2018-04-08</a:t>
+              <a:t>2022-12-19</a:t>
             </a:fld>
             <a:endParaRPr lang="ko-KR" altLang="en-US"/>
           </a:p>
@@ -3702,10 +3598,6 @@
             <a:pPr lvl="0">
               <a:defRPr lang="ko-KR" altLang="en-US"/>
             </a:pPr>
-            <a:r>
-              <a:rPr lang="ko-KR" altLang="en-US"/>
-              <a:t/>
-            </a:r>
             <a:endParaRPr lang="ko-KR" altLang="en-US"/>
           </a:p>
         </p:txBody>
@@ -3744,12 +3636,12 @@
   <p:clrMapOvr>
     <a:masterClrMapping/>
   </p:clrMapOvr>
-  <p:transition xmlns:mc="http://schemas.openxmlformats.org/markup-compatibility/2006" xmlns:hp="http://schemas.haansoft.com/office/presentation/8.0" mc:Ignorable="hp" hp:hslDur="500"/>
+  <p:transition/>
 </p:sldLayout>
 </file>
 
 <file path=ppt/slideLayouts/slideLayout8.xml><?xml version="1.0" encoding="utf-8"?>
-<p:sldLayout xmlns:r="http://schemas.openxmlformats.org/officeDocument/2006/relationships" xmlns:c="http://schemas.openxmlformats.org/drawingml/2006/chart" xmlns:a="http://schemas.openxmlformats.org/drawingml/2006/main" xmlns:dgm="http://schemas.openxmlformats.org/drawingml/2006/diagram" xmlns:dsp="http://schemas.microsoft.com/office/drawing/2008/diagram" xmlns:p="http://schemas.openxmlformats.org/presentationml/2006/main" showMasterPhAnim="1" matchingName="내용 및 설명" type="objTx" preserve="1">
+<p:sldLayout xmlns:a="http://schemas.openxmlformats.org/drawingml/2006/main" xmlns:r="http://schemas.openxmlformats.org/officeDocument/2006/relationships" xmlns:p="http://schemas.openxmlformats.org/presentationml/2006/main" matchingName="내용 및 설명" type="objTx" preserve="1">
   <p:cSld name="내용 및 설명">
     <p:spTree>
       <p:nvGrpSpPr>
@@ -3772,7 +3664,7 @@
             <a:spLocks noGrp="1"/>
           </p:cNvSpPr>
           <p:nvPr>
-            <p:ph type="title" idx="0"/>
+            <p:ph type="title"/>
           </p:nvPr>
         </p:nvSpPr>
         <p:spPr>
@@ -3796,7 +3688,6 @@
               <a:rPr lang="ko-KR" altLang="en-US"/>
               <a:t>마스터 제목 스타일 편집</a:t>
             </a:r>
-            <a:endParaRPr lang="ko-KR" altLang="en-US"/>
           </a:p>
         </p:txBody>
       </p:sp>
@@ -3855,7 +3746,6 @@
               <a:rPr lang="ko-KR" altLang="en-US"/>
               <a:t>마스터 텍스트 스타일을 편집합니다</a:t>
             </a:r>
-            <a:endParaRPr lang="ko-KR" altLang="en-US"/>
           </a:p>
           <a:p>
             <a:pPr lvl="1">
@@ -3865,7 +3755,6 @@
               <a:rPr lang="ko-KR" altLang="en-US"/>
               <a:t>둘째 수준</a:t>
             </a:r>
-            <a:endParaRPr lang="ko-KR" altLang="en-US"/>
           </a:p>
           <a:p>
             <a:pPr lvl="2">
@@ -3875,7 +3764,6 @@
               <a:rPr lang="ko-KR" altLang="en-US"/>
               <a:t>셋째 수준</a:t>
             </a:r>
-            <a:endParaRPr lang="ko-KR" altLang="en-US"/>
           </a:p>
           <a:p>
             <a:pPr lvl="3">
@@ -3885,7 +3773,6 @@
               <a:rPr lang="ko-KR" altLang="en-US"/>
               <a:t>넷째 수준</a:t>
             </a:r>
-            <a:endParaRPr lang="ko-KR" altLang="en-US"/>
           </a:p>
           <a:p>
             <a:pPr lvl="4">
@@ -3895,7 +3782,6 @@
               <a:rPr lang="ko-KR" altLang="en-US"/>
               <a:t>다섯째 수준</a:t>
             </a:r>
-            <a:endParaRPr lang="ko-KR" altLang="en-US"/>
           </a:p>
         </p:txBody>
       </p:sp>
@@ -3963,7 +3849,6 @@
               <a:rPr lang="ko-KR" altLang="en-US"/>
               <a:t>마스터 텍스트 스타일을 편집합니다</a:t>
             </a:r>
-            <a:endParaRPr lang="ko-KR" altLang="en-US"/>
           </a:p>
         </p:txBody>
       </p:sp>
@@ -3990,7 +3875,7 @@
               <a:pPr lvl="0">
                 <a:defRPr lang="ko-KR" altLang="en-US"/>
               </a:pPr>
-              <a:t>2018-04-08</a:t>
+              <a:t>2022-12-19</a:t>
             </a:fld>
             <a:endParaRPr lang="ko-KR" altLang="en-US"/>
           </a:p>
@@ -4014,10 +3899,6 @@
             <a:pPr lvl="0">
               <a:defRPr lang="ko-KR" altLang="en-US"/>
             </a:pPr>
-            <a:r>
-              <a:rPr lang="ko-KR" altLang="en-US"/>
-              <a:t/>
-            </a:r>
             <a:endParaRPr lang="ko-KR" altLang="en-US"/>
           </a:p>
         </p:txBody>
@@ -4056,12 +3937,12 @@
   <p:clrMapOvr>
     <a:masterClrMapping/>
   </p:clrMapOvr>
-  <p:transition xmlns:mc="http://schemas.openxmlformats.org/markup-compatibility/2006" xmlns:hp="http://schemas.haansoft.com/office/presentation/8.0" mc:Ignorable="hp" hp:hslDur="500"/>
+  <p:transition/>
 </p:sldLayout>
 </file>
 
 <file path=ppt/slideLayouts/slideLayout9.xml><?xml version="1.0" encoding="utf-8"?>
-<p:sldLayout xmlns:r="http://schemas.openxmlformats.org/officeDocument/2006/relationships" xmlns:c="http://schemas.openxmlformats.org/drawingml/2006/chart" xmlns:a="http://schemas.openxmlformats.org/drawingml/2006/main" xmlns:dgm="http://schemas.openxmlformats.org/drawingml/2006/diagram" xmlns:dsp="http://schemas.microsoft.com/office/drawing/2008/diagram" xmlns:p="http://schemas.openxmlformats.org/presentationml/2006/main" showMasterPhAnim="1" matchingName="그림 및 설명" type="picTx" preserve="1">
+<p:sldLayout xmlns:a="http://schemas.openxmlformats.org/drawingml/2006/main" xmlns:r="http://schemas.openxmlformats.org/officeDocument/2006/relationships" xmlns:p="http://schemas.openxmlformats.org/presentationml/2006/main" matchingName="그림 및 설명" type="picTx" preserve="1">
   <p:cSld name="그림 및 설명">
     <p:spTree>
       <p:nvGrpSpPr>
@@ -4084,7 +3965,7 @@
             <a:spLocks noGrp="1"/>
           </p:cNvSpPr>
           <p:nvPr>
-            <p:ph type="title" idx="0"/>
+            <p:ph type="title"/>
           </p:nvPr>
         </p:nvSpPr>
         <p:spPr>
@@ -4108,7 +3989,6 @@
               <a:rPr lang="ko-KR" altLang="en-US"/>
               <a:t>마스터 제목 스타일 편집</a:t>
             </a:r>
-            <a:endParaRPr lang="ko-KR" altLang="en-US"/>
           </a:p>
         </p:txBody>
       </p:sp>
@@ -4172,10 +4052,6 @@
             <a:pPr lvl="0">
               <a:defRPr lang="ko-KR" altLang="en-US"/>
             </a:pPr>
-            <a:r>
-              <a:rPr lang="ko-KR" altLang="en-US"/>
-              <a:t/>
-            </a:r>
             <a:endParaRPr lang="ko-KR" altLang="en-US"/>
           </a:p>
         </p:txBody>
@@ -4244,7 +4120,6 @@
               <a:rPr lang="ko-KR" altLang="en-US"/>
               <a:t>마스터 텍스트 스타일을 편집합니다</a:t>
             </a:r>
-            <a:endParaRPr lang="ko-KR" altLang="en-US"/>
           </a:p>
         </p:txBody>
       </p:sp>
@@ -4271,7 +4146,7 @@
               <a:pPr lvl="0">
                 <a:defRPr lang="ko-KR" altLang="en-US"/>
               </a:pPr>
-              <a:t>2018-04-08</a:t>
+              <a:t>2022-12-19</a:t>
             </a:fld>
             <a:endParaRPr lang="ko-KR" altLang="en-US"/>
           </a:p>
@@ -4295,10 +4170,6 @@
             <a:pPr lvl="0">
               <a:defRPr lang="ko-KR" altLang="en-US"/>
             </a:pPr>
-            <a:r>
-              <a:rPr lang="ko-KR" altLang="en-US"/>
-              <a:t/>
-            </a:r>
             <a:endParaRPr lang="ko-KR" altLang="en-US"/>
           </a:p>
         </p:txBody>
@@ -4337,12 +4208,12 @@
   <p:clrMapOvr>
     <a:masterClrMapping/>
   </p:clrMapOvr>
-  <p:transition xmlns:mc="http://schemas.openxmlformats.org/markup-compatibility/2006" xmlns:hp="http://schemas.haansoft.com/office/presentation/8.0" mc:Ignorable="hp" hp:hslDur="500"/>
+  <p:transition/>
 </p:sldLayout>
 </file>
 
 <file path=ppt/slideMasters/slideMaster1.xml><?xml version="1.0" encoding="utf-8"?>
-<p:sldMaster xmlns:r="http://schemas.openxmlformats.org/officeDocument/2006/relationships" xmlns:c="http://schemas.openxmlformats.org/drawingml/2006/chart" xmlns:a="http://schemas.openxmlformats.org/drawingml/2006/main" xmlns:dgm="http://schemas.openxmlformats.org/drawingml/2006/diagram" xmlns:dsp="http://schemas.microsoft.com/office/drawing/2008/diagram" xmlns:p="http://schemas.openxmlformats.org/presentationml/2006/main">
+<p:sldMaster xmlns:a="http://schemas.openxmlformats.org/drawingml/2006/main" xmlns:r="http://schemas.openxmlformats.org/officeDocument/2006/relationships" xmlns:p="http://schemas.openxmlformats.org/presentationml/2006/main">
   <p:cSld name="Office 테마">
     <p:bg>
       <p:bgRef idx="1001">
@@ -4370,7 +4241,7 @@
             <a:spLocks noGrp="1"/>
           </p:cNvSpPr>
           <p:nvPr>
-            <p:ph type="title" idx="0"/>
+            <p:ph type="title"/>
           </p:nvPr>
         </p:nvSpPr>
         <p:spPr>
@@ -4395,7 +4266,6 @@
               <a:rPr lang="ko-KR" altLang="en-US"/>
               <a:t>마스터 제목 스타일 편집</a:t>
             </a:r>
-            <a:endParaRPr lang="ko-KR" altLang="en-US"/>
           </a:p>
         </p:txBody>
       </p:sp>
@@ -4431,7 +4301,6 @@
               <a:rPr lang="ko-KR" altLang="en-US"/>
               <a:t>마스터 텍스트 스타일을 편집합니다</a:t>
             </a:r>
-            <a:endParaRPr lang="ko-KR" altLang="en-US"/>
           </a:p>
           <a:p>
             <a:pPr lvl="1">
@@ -4441,7 +4310,6 @@
               <a:rPr lang="ko-KR" altLang="en-US"/>
               <a:t>둘째 수준</a:t>
             </a:r>
-            <a:endParaRPr lang="ko-KR" altLang="en-US"/>
           </a:p>
           <a:p>
             <a:pPr lvl="2">
@@ -4451,7 +4319,6 @@
               <a:rPr lang="ko-KR" altLang="en-US"/>
               <a:t>셋째 수준</a:t>
             </a:r>
-            <a:endParaRPr lang="ko-KR" altLang="en-US"/>
           </a:p>
           <a:p>
             <a:pPr lvl="3">
@@ -4461,7 +4328,6 @@
               <a:rPr lang="ko-KR" altLang="en-US"/>
               <a:t>넷째 수준</a:t>
             </a:r>
-            <a:endParaRPr lang="ko-KR" altLang="en-US"/>
           </a:p>
           <a:p>
             <a:pPr lvl="4">
@@ -4471,7 +4337,6 @@
               <a:rPr lang="ko-KR" altLang="en-US"/>
               <a:t>다섯째 수준</a:t>
             </a:r>
-            <a:endParaRPr lang="ko-KR" altLang="en-US"/>
           </a:p>
         </p:txBody>
       </p:sp>
@@ -4516,7 +4381,7 @@
               <a:pPr lvl="0">
                 <a:defRPr lang="ko-KR" altLang="en-US"/>
               </a:pPr>
-              <a:t>2018-04-08</a:t>
+              <a:t>2022-12-19</a:t>
             </a:fld>
             <a:endParaRPr lang="ko-KR" altLang="en-US"/>
           </a:p>
@@ -4558,10 +4423,6 @@
             <a:pPr lvl="0">
               <a:defRPr lang="ko-KR" altLang="en-US"/>
             </a:pPr>
-            <a:r>
-              <a:rPr lang="ko-KR" altLang="en-US"/>
-              <a:t/>
-            </a:r>
             <a:endParaRPr lang="ko-KR" altLang="en-US"/>
           </a:p>
         </p:txBody>
@@ -4633,7 +4494,7 @@
     <p:sldLayoutId id="2147483710" r:id="rId14"/>
     <p:sldLayoutId id="2147483711" r:id="rId15"/>
   </p:sldLayoutIdLst>
-  <p:transition xmlns:mc="http://schemas.openxmlformats.org/markup-compatibility/2006" xmlns:hp="http://schemas.haansoft.com/office/presentation/8.0" mc:Ignorable="hp" hp:hslDur="500"/>
+  <p:transition/>
   <p:txStyles>
     <p:titleStyle>
       <a:lvl1pPr algn="l" defTabSz="914400" rtl="0" eaLnBrk="1" latinLnBrk="1" hangingPunct="1">
@@ -4918,7 +4779,7 @@
 </file>
 
 <file path=ppt/slides/slide1.xml><?xml version="1.0" encoding="utf-8"?>
-<p:sld xmlns:r="http://schemas.openxmlformats.org/officeDocument/2006/relationships" xmlns:c="http://schemas.openxmlformats.org/drawingml/2006/chart" xmlns:a="http://schemas.openxmlformats.org/drawingml/2006/main" xmlns:dgm="http://schemas.openxmlformats.org/drawingml/2006/diagram" xmlns:dsp="http://schemas.microsoft.com/office/drawing/2008/diagram" xmlns:p="http://schemas.openxmlformats.org/presentationml/2006/main">
+<p:sld xmlns:a="http://schemas.openxmlformats.org/drawingml/2006/main" xmlns:r="http://schemas.openxmlformats.org/officeDocument/2006/relationships" xmlns:p="http://schemas.openxmlformats.org/presentationml/2006/main">
   <p:cSld>
     <p:spTree>
       <p:nvGrpSpPr>
@@ -4977,21 +4838,6 @@
               </a:rPr>
               <a:t>중간 프로젝트</a:t>
             </a:r>
-            <a:endParaRPr lang="ko-KR" altLang="en-US" sz="2800">
-              <a:gradFill>
-                <a:gsLst>
-                  <a:gs pos="0">
-                    <a:schemeClr val="tx1"/>
-                  </a:gs>
-                  <a:gs pos="100000">
-                    <a:schemeClr val="tx1"/>
-                  </a:gs>
-                </a:gsLst>
-                <a:lin ang="5400000" scaled="1"/>
-              </a:gradFill>
-              <a:latin typeface="210 굴림 070"/>
-              <a:ea typeface="210 굴림 070"/>
-            </a:endParaRPr>
           </a:p>
         </p:txBody>
       </p:sp>
@@ -5263,21 +5109,6 @@
               </a:rPr>
               <a:t> 전희정</a:t>
             </a:r>
-            <a:endParaRPr lang="ko-KR" altLang="en-US">
-              <a:gradFill>
-                <a:gsLst>
-                  <a:gs pos="0">
-                    <a:schemeClr val="tx1"/>
-                  </a:gs>
-                  <a:gs pos="100000">
-                    <a:schemeClr val="tx1"/>
-                  </a:gs>
-                </a:gsLst>
-                <a:lin ang="5400000" scaled="1"/>
-              </a:gradFill>
-              <a:latin typeface="210 굴림 070"/>
-              <a:ea typeface="210 굴림 070"/>
-            </a:endParaRPr>
           </a:p>
         </p:txBody>
       </p:sp>
@@ -5286,11 +5117,11 @@
   <p:clrMapOvr>
     <a:masterClrMapping/>
   </p:clrMapOvr>
-  <mc:AlternateContent xmlns:mc="http://schemas.openxmlformats.org/markup-compatibility/2006">
-    <mc:Choice xmlns:p14="http://schemas.microsoft.com/office/powerpoint/2010/main" Requires="p14">
-      <p:transition xmlns:mc="http://schemas.openxmlformats.org/markup-compatibility/2006" xmlns:p14="http://schemas.microsoft.com/office/powerpoint/2010/main" mc:Ignorable="p14" p14:dur="500"/>
+  <mc:AlternateContent xmlns:mc="http://schemas.openxmlformats.org/markup-compatibility/2006" xmlns:p14="http://schemas.microsoft.com/office/powerpoint/2010/main">
+    <mc:Choice Requires="p14">
+      <p:transition/>
     </mc:Choice>
-    <mc:Fallback>
+    <mc:Fallback xmlns:dsp="http://schemas.microsoft.com/office/drawing/2008/diagram" xmlns:dgm="http://schemas.openxmlformats.org/drawingml/2006/diagram" xmlns:c="http://schemas.openxmlformats.org/drawingml/2006/chart" xmlns="">
       <p:transition/>
     </mc:Fallback>
   </mc:AlternateContent>
@@ -5298,7 +5129,7 @@
 </file>
 
 <file path=ppt/slides/slide10.xml><?xml version="1.0" encoding="utf-8"?>
-<p:sld xmlns:r="http://schemas.openxmlformats.org/officeDocument/2006/relationships" xmlns:c="http://schemas.openxmlformats.org/drawingml/2006/chart" xmlns:a="http://schemas.openxmlformats.org/drawingml/2006/main" xmlns:dgm="http://schemas.openxmlformats.org/drawingml/2006/diagram" xmlns:dsp="http://schemas.microsoft.com/office/drawing/2008/diagram" xmlns:p="http://schemas.openxmlformats.org/presentationml/2006/main">
+<p:sld xmlns:a="http://schemas.openxmlformats.org/drawingml/2006/main" xmlns:r="http://schemas.openxmlformats.org/officeDocument/2006/relationships" xmlns:p="http://schemas.openxmlformats.org/presentationml/2006/main">
   <p:cSld>
     <p:spTree>
       <p:nvGrpSpPr>
@@ -5417,7 +5248,7 @@
             <a:spLocks noGrp="1"/>
           </p:cNvSpPr>
           <p:nvPr>
-            <p:ph type="title" idx="0"/>
+            <p:ph type="title"/>
           </p:nvPr>
         </p:nvSpPr>
         <p:spPr/>
@@ -5435,16 +5266,12 @@
               </a:rPr>
               <a:t>프로그램 실행</a:t>
             </a:r>
-            <a:endParaRPr lang="ko-KR" altLang="en-US">
-              <a:latin typeface="HY견고딕"/>
-              <a:ea typeface="HY견고딕"/>
-            </a:endParaRPr>
-          </a:p>
-        </p:txBody>
-      </p:sp>
-      <p:sp>
-        <p:nvSpPr>
-          <p:cNvPr id="17" name=""/>
+          </a:p>
+        </p:txBody>
+      </p:sp>
+      <p:sp>
+        <p:nvSpPr>
+          <p:cNvPr id="17" name="TextBox 16"/>
           <p:cNvSpPr txBox="1"/>
           <p:nvPr/>
         </p:nvSpPr>
@@ -5461,6 +5288,7 @@
           <a:bodyPr wrap="square">
             <a:spAutoFit/>
           </a:bodyPr>
+          <a:lstStyle/>
           <a:p>
             <a:pPr>
               <a:defRPr/>
@@ -5469,13 +5297,12 @@
               <a:rPr lang="ko-KR" altLang="en-US" sz="2500"/>
               <a:t>물건 찾기</a:t>
             </a:r>
-            <a:endParaRPr lang="ko-KR" altLang="en-US" sz="2500"/>
-          </a:p>
-        </p:txBody>
-      </p:sp>
-      <p:sp>
-        <p:nvSpPr>
-          <p:cNvPr id="18" name=""/>
+          </a:p>
+        </p:txBody>
+      </p:sp>
+      <p:sp>
+        <p:nvSpPr>
+          <p:cNvPr id="18" name="TextBox 17"/>
           <p:cNvSpPr txBox="1"/>
           <p:nvPr/>
         </p:nvSpPr>
@@ -5492,6 +5319,7 @@
           <a:bodyPr wrap="square">
             <a:spAutoFit/>
           </a:bodyPr>
+          <a:lstStyle/>
           <a:p>
             <a:pPr>
               <a:defRPr/>
@@ -5504,7 +5332,6 @@
               <a:rPr lang="en-US" altLang="ko-KR"/>
               <a:t>.</a:t>
             </a:r>
-            <a:endParaRPr lang="en-US" altLang="ko-KR"/>
           </a:p>
           <a:p>
             <a:pPr>
@@ -5518,13 +5345,12 @@
               <a:rPr lang="en-US" altLang="ko-KR"/>
               <a:t>.</a:t>
             </a:r>
-            <a:endParaRPr lang="en-US" altLang="ko-KR"/>
           </a:p>
         </p:txBody>
       </p:sp>
       <p:pic>
         <p:nvPicPr>
-          <p:cNvPr id="24" name=""/>
+          <p:cNvPr id="24" name="내용 개체 틀 23"/>
           <p:cNvPicPr>
             <a:picLocks noGrp="1" noChangeAspect="1"/>
           </p:cNvPicPr>
@@ -5553,26 +5379,19 @@
   <p:clrMapOvr>
     <a:masterClrMapping/>
   </p:clrMapOvr>
-  <mc:AlternateContent xmlns:mc="http://schemas.openxmlformats.org/markup-compatibility/2006">
-    <mc:Choice xmlns:p14="http://schemas.microsoft.com/office/powerpoint/2010/main" Requires="p14">
-      <p:transition xmlns:mc="http://schemas.openxmlformats.org/markup-compatibility/2006" xmlns:p14="http://schemas.microsoft.com/office/powerpoint/2010/main" mc:Ignorable="p14" p14:dur="500"/>
+  <mc:AlternateContent xmlns:mc="http://schemas.openxmlformats.org/markup-compatibility/2006" xmlns:p14="http://schemas.microsoft.com/office/powerpoint/2010/main">
+    <mc:Choice Requires="p14">
+      <p:transition/>
     </mc:Choice>
-    <mc:Fallback>
+    <mc:Fallback xmlns:dsp="http://schemas.microsoft.com/office/drawing/2008/diagram" xmlns:dgm="http://schemas.openxmlformats.org/drawingml/2006/diagram" xmlns:c="http://schemas.openxmlformats.org/drawingml/2006/chart" xmlns="">
       <p:transition/>
     </mc:Fallback>
   </mc:AlternateContent>
-  <p:timing>
-    <p:tnLst>
-      <p:par>
-        <p:cTn id="1" dur="indefinite" restart="never" nodeType="tmRoot"/>
-      </p:par>
-    </p:tnLst>
-  </p:timing>
 </p:sld>
 </file>
 
 <file path=ppt/slides/slide11.xml><?xml version="1.0" encoding="utf-8"?>
-<p:sld xmlns:r="http://schemas.openxmlformats.org/officeDocument/2006/relationships" xmlns:c="http://schemas.openxmlformats.org/drawingml/2006/chart" xmlns:a="http://schemas.openxmlformats.org/drawingml/2006/main" xmlns:dgm="http://schemas.openxmlformats.org/drawingml/2006/diagram" xmlns:dsp="http://schemas.microsoft.com/office/drawing/2008/diagram" xmlns:p="http://schemas.openxmlformats.org/presentationml/2006/main">
+<p:sld xmlns:a="http://schemas.openxmlformats.org/drawingml/2006/main" xmlns:r="http://schemas.openxmlformats.org/officeDocument/2006/relationships" xmlns:p="http://schemas.openxmlformats.org/presentationml/2006/main">
   <p:cSld>
     <p:spTree>
       <p:nvGrpSpPr>
@@ -5691,7 +5510,7 @@
             <a:spLocks noGrp="1"/>
           </p:cNvSpPr>
           <p:nvPr>
-            <p:ph type="title" idx="0"/>
+            <p:ph type="title"/>
           </p:nvPr>
         </p:nvSpPr>
         <p:spPr/>
@@ -5709,16 +5528,12 @@
               </a:rPr>
               <a:t>프로그램 실행</a:t>
             </a:r>
-            <a:endParaRPr lang="ko-KR" altLang="en-US">
-              <a:latin typeface="HY견고딕"/>
-              <a:ea typeface="HY견고딕"/>
-            </a:endParaRPr>
-          </a:p>
-        </p:txBody>
-      </p:sp>
-      <p:sp>
-        <p:nvSpPr>
-          <p:cNvPr id="17" name=""/>
+          </a:p>
+        </p:txBody>
+      </p:sp>
+      <p:sp>
+        <p:nvSpPr>
+          <p:cNvPr id="17" name="TextBox 16"/>
           <p:cNvSpPr txBox="1"/>
           <p:nvPr/>
         </p:nvSpPr>
@@ -5735,6 +5550,7 @@
           <a:bodyPr wrap="square">
             <a:spAutoFit/>
           </a:bodyPr>
+          <a:lstStyle/>
           <a:p>
             <a:pPr>
               <a:defRPr/>
@@ -5743,13 +5559,12 @@
               <a:rPr lang="ko-KR" altLang="en-US" sz="2500"/>
               <a:t>물건 찾기</a:t>
             </a:r>
-            <a:endParaRPr lang="ko-KR" altLang="en-US" sz="2500"/>
-          </a:p>
-        </p:txBody>
-      </p:sp>
-      <p:sp>
-        <p:nvSpPr>
-          <p:cNvPr id="18" name=""/>
+          </a:p>
+        </p:txBody>
+      </p:sp>
+      <p:sp>
+        <p:nvSpPr>
+          <p:cNvPr id="18" name="TextBox 17"/>
           <p:cNvSpPr txBox="1"/>
           <p:nvPr/>
         </p:nvSpPr>
@@ -5766,6 +5581,7 @@
           <a:bodyPr wrap="square">
             <a:spAutoFit/>
           </a:bodyPr>
+          <a:lstStyle/>
           <a:p>
             <a:pPr>
               <a:defRPr/>
@@ -5778,7 +5594,6 @@
               <a:rPr lang="en-US" altLang="ko-KR"/>
               <a:t>.</a:t>
             </a:r>
-            <a:endParaRPr lang="en-US" altLang="ko-KR"/>
           </a:p>
           <a:p>
             <a:pPr>
@@ -5800,13 +5615,12 @@
               <a:rPr lang="en-US" altLang="ko-KR"/>
               <a:t>.</a:t>
             </a:r>
-            <a:endParaRPr lang="en-US" altLang="ko-KR"/>
           </a:p>
         </p:txBody>
       </p:sp>
       <p:pic>
         <p:nvPicPr>
-          <p:cNvPr id="25" name=""/>
+          <p:cNvPr id="25" name="내용 개체 틀 24"/>
           <p:cNvPicPr>
             <a:picLocks noGrp="1" noChangeAspect="1"/>
           </p:cNvPicPr>
@@ -5835,26 +5649,19 @@
   <p:clrMapOvr>
     <a:masterClrMapping/>
   </p:clrMapOvr>
-  <mc:AlternateContent xmlns:mc="http://schemas.openxmlformats.org/markup-compatibility/2006">
-    <mc:Choice xmlns:p14="http://schemas.microsoft.com/office/powerpoint/2010/main" Requires="p14">
-      <p:transition xmlns:mc="http://schemas.openxmlformats.org/markup-compatibility/2006" xmlns:p14="http://schemas.microsoft.com/office/powerpoint/2010/main" mc:Ignorable="p14" p14:dur="500"/>
+  <mc:AlternateContent xmlns:mc="http://schemas.openxmlformats.org/markup-compatibility/2006" xmlns:p14="http://schemas.microsoft.com/office/powerpoint/2010/main">
+    <mc:Choice Requires="p14">
+      <p:transition/>
     </mc:Choice>
-    <mc:Fallback>
+    <mc:Fallback xmlns:dsp="http://schemas.microsoft.com/office/drawing/2008/diagram" xmlns:dgm="http://schemas.openxmlformats.org/drawingml/2006/diagram" xmlns:c="http://schemas.openxmlformats.org/drawingml/2006/chart" xmlns="">
       <p:transition/>
     </mc:Fallback>
   </mc:AlternateContent>
-  <p:timing>
-    <p:tnLst>
-      <p:par>
-        <p:cTn id="1" dur="indefinite" restart="never" nodeType="tmRoot"/>
-      </p:par>
-    </p:tnLst>
-  </p:timing>
 </p:sld>
 </file>
 
 <file path=ppt/slides/slide12.xml><?xml version="1.0" encoding="utf-8"?>
-<p:sld xmlns:r="http://schemas.openxmlformats.org/officeDocument/2006/relationships" xmlns:c="http://schemas.openxmlformats.org/drawingml/2006/chart" xmlns:a="http://schemas.openxmlformats.org/drawingml/2006/main" xmlns:dgm="http://schemas.openxmlformats.org/drawingml/2006/diagram" xmlns:dsp="http://schemas.microsoft.com/office/drawing/2008/diagram" xmlns:p="http://schemas.openxmlformats.org/presentationml/2006/main">
+<p:sld xmlns:a="http://schemas.openxmlformats.org/drawingml/2006/main" xmlns:r="http://schemas.openxmlformats.org/officeDocument/2006/relationships" xmlns:p="http://schemas.openxmlformats.org/presentationml/2006/main">
   <p:cSld>
     <p:spTree>
       <p:nvGrpSpPr>
@@ -5973,7 +5780,7 @@
             <a:spLocks noGrp="1"/>
           </p:cNvSpPr>
           <p:nvPr>
-            <p:ph type="title" idx="0"/>
+            <p:ph type="title"/>
           </p:nvPr>
         </p:nvSpPr>
         <p:spPr/>
@@ -5991,16 +5798,12 @@
               </a:rPr>
               <a:t>프로그램 실행</a:t>
             </a:r>
-            <a:endParaRPr lang="ko-KR" altLang="en-US">
-              <a:latin typeface="HY견고딕"/>
-              <a:ea typeface="HY견고딕"/>
-            </a:endParaRPr>
-          </a:p>
-        </p:txBody>
-      </p:sp>
-      <p:sp>
-        <p:nvSpPr>
-          <p:cNvPr id="17" name=""/>
+          </a:p>
+        </p:txBody>
+      </p:sp>
+      <p:sp>
+        <p:nvSpPr>
+          <p:cNvPr id="17" name="TextBox 16"/>
           <p:cNvSpPr txBox="1"/>
           <p:nvPr/>
         </p:nvSpPr>
@@ -6017,6 +5820,7 @@
           <a:bodyPr wrap="square">
             <a:spAutoFit/>
           </a:bodyPr>
+          <a:lstStyle/>
           <a:p>
             <a:pPr>
               <a:defRPr/>
@@ -6025,13 +5829,12 @@
               <a:rPr lang="ko-KR" altLang="en-US" sz="2500"/>
               <a:t>관리자 페이지</a:t>
             </a:r>
-            <a:endParaRPr lang="ko-KR" altLang="en-US" sz="2500"/>
-          </a:p>
-        </p:txBody>
-      </p:sp>
-      <p:sp>
-        <p:nvSpPr>
-          <p:cNvPr id="18" name=""/>
+          </a:p>
+        </p:txBody>
+      </p:sp>
+      <p:sp>
+        <p:nvSpPr>
+          <p:cNvPr id="18" name="TextBox 17"/>
           <p:cNvSpPr txBox="1"/>
           <p:nvPr/>
         </p:nvSpPr>
@@ -6048,6 +5851,7 @@
           <a:bodyPr wrap="square">
             <a:spAutoFit/>
           </a:bodyPr>
+          <a:lstStyle/>
           <a:p>
             <a:pPr>
               <a:defRPr/>
@@ -6076,13 +5880,12 @@
               <a:rPr lang="en-US" altLang="ko-KR"/>
               <a:t>)</a:t>
             </a:r>
-            <a:endParaRPr lang="en-US" altLang="ko-KR"/>
           </a:p>
         </p:txBody>
       </p:sp>
       <p:pic>
         <p:nvPicPr>
-          <p:cNvPr id="25" name=""/>
+          <p:cNvPr id="25" name="내용 개체 틀 24"/>
           <p:cNvPicPr>
             <a:picLocks noGrp="1" noChangeAspect="1"/>
           </p:cNvPicPr>
@@ -6111,26 +5914,19 @@
   <p:clrMapOvr>
     <a:masterClrMapping/>
   </p:clrMapOvr>
-  <mc:AlternateContent xmlns:mc="http://schemas.openxmlformats.org/markup-compatibility/2006">
-    <mc:Choice xmlns:p14="http://schemas.microsoft.com/office/powerpoint/2010/main" Requires="p14">
-      <p:transition xmlns:mc="http://schemas.openxmlformats.org/markup-compatibility/2006" xmlns:p14="http://schemas.microsoft.com/office/powerpoint/2010/main" mc:Ignorable="p14" p14:dur="500"/>
+  <mc:AlternateContent xmlns:mc="http://schemas.openxmlformats.org/markup-compatibility/2006" xmlns:p14="http://schemas.microsoft.com/office/powerpoint/2010/main">
+    <mc:Choice Requires="p14">
+      <p:transition/>
     </mc:Choice>
-    <mc:Fallback>
+    <mc:Fallback xmlns:dsp="http://schemas.microsoft.com/office/drawing/2008/diagram" xmlns:dgm="http://schemas.openxmlformats.org/drawingml/2006/diagram" xmlns:c="http://schemas.openxmlformats.org/drawingml/2006/chart" xmlns="">
       <p:transition/>
     </mc:Fallback>
   </mc:AlternateContent>
-  <p:timing>
-    <p:tnLst>
-      <p:par>
-        <p:cTn id="1" dur="indefinite" restart="never" nodeType="tmRoot"/>
-      </p:par>
-    </p:tnLst>
-  </p:timing>
 </p:sld>
 </file>
 
 <file path=ppt/slides/slide13.xml><?xml version="1.0" encoding="utf-8"?>
-<p:sld xmlns:r="http://schemas.openxmlformats.org/officeDocument/2006/relationships" xmlns:c="http://schemas.openxmlformats.org/drawingml/2006/chart" xmlns:a="http://schemas.openxmlformats.org/drawingml/2006/main" xmlns:dgm="http://schemas.openxmlformats.org/drawingml/2006/diagram" xmlns:dsp="http://schemas.microsoft.com/office/drawing/2008/diagram" xmlns:p="http://schemas.openxmlformats.org/presentationml/2006/main">
+<p:sld xmlns:a="http://schemas.openxmlformats.org/drawingml/2006/main" xmlns:r="http://schemas.openxmlformats.org/officeDocument/2006/relationships" xmlns:p="http://schemas.openxmlformats.org/presentationml/2006/main">
   <p:cSld>
     <p:spTree>
       <p:nvGrpSpPr>
@@ -6249,10 +6045,15 @@
             <a:spLocks noGrp="1"/>
           </p:cNvSpPr>
           <p:nvPr>
-            <p:ph type="title" idx="0"/>
-          </p:nvPr>
-        </p:nvSpPr>
-        <p:spPr/>
+            <p:ph type="title"/>
+          </p:nvPr>
+        </p:nvSpPr>
+        <p:spPr>
+          <a:xfrm>
+            <a:off x="838200" y="334645"/>
+            <a:ext cx="10515600" cy="1325563"/>
+          </a:xfrm>
+        </p:spPr>
         <p:txBody>
           <a:bodyPr/>
           <a:lstStyle/>
@@ -6267,22 +6068,18 @@
               </a:rPr>
               <a:t>프로그램 구성</a:t>
             </a:r>
-            <a:endParaRPr lang="ko-KR" altLang="en-US">
-              <a:latin typeface="HY견고딕"/>
-              <a:ea typeface="HY견고딕"/>
-            </a:endParaRPr>
-          </a:p>
-        </p:txBody>
-      </p:sp>
-      <p:sp>
-        <p:nvSpPr>
-          <p:cNvPr id="26" name=""/>
+          </a:p>
+        </p:txBody>
+      </p:sp>
+      <p:sp>
+        <p:nvSpPr>
+          <p:cNvPr id="26" name="TextBox 25"/>
           <p:cNvSpPr txBox="1"/>
           <p:nvPr/>
         </p:nvSpPr>
         <p:spPr>
           <a:xfrm>
-            <a:off x="1257402" y="1638812"/>
+            <a:off x="1257402" y="1414733"/>
             <a:ext cx="9677196" cy="483358"/>
           </a:xfrm>
           <a:prstGeom prst="rect">
@@ -6293,6 +6090,7 @@
           <a:bodyPr wrap="square">
             <a:spAutoFit/>
           </a:bodyPr>
+          <a:lstStyle/>
           <a:p>
             <a:pPr marL="0" indent="0" algn="l" defTabSz="914400" rtl="0" eaLnBrk="1" latinLnBrk="1" hangingPunct="1">
               <a:lnSpc>
@@ -6308,7 +6106,7 @@
               <a:defRPr/>
             </a:pPr>
             <a:r>
-              <a:rPr xmlns:mc="http://schemas.openxmlformats.org/markup-compatibility/2006" xmlns:hp="http://schemas.haansoft.com/office/presentation/8.0" kumimoji="0" lang="en-US" altLang="ko-KR" sz="2600" b="0" i="0" u="none" strike="noStrike" kern="1200" cap="none" spc="0" normalizeH="0" baseline="0" mc:Ignorable="hp" hp:hslEmbossed="0">
+              <a:rPr kumimoji="0" lang="en-US" altLang="ko-KR" sz="2600" b="0" i="0" u="none" strike="noStrike" kern="1200" cap="none" spc="0" normalizeH="0" baseline="0" dirty="0">
                 <a:solidFill>
                   <a:srgbClr val="000000"/>
                 </a:solidFill>
@@ -6319,7 +6117,7 @@
               <a:t>-</a:t>
             </a:r>
             <a:r>
-              <a:rPr xmlns:mc="http://schemas.openxmlformats.org/markup-compatibility/2006" xmlns:hp="http://schemas.haansoft.com/office/presentation/8.0" kumimoji="0" lang="ko-KR" altLang="en-US" sz="2600" b="0" i="0" u="none" strike="noStrike" kern="1200" cap="none" spc="0" normalizeH="0" baseline="0" mc:Ignorable="hp" hp:hslEmbossed="0">
+              <a:rPr kumimoji="0" lang="ko-KR" altLang="en-US" sz="2600" b="0" i="0" u="none" strike="noStrike" kern="1200" cap="none" spc="0" normalizeH="0" baseline="0" dirty="0">
                 <a:solidFill>
                   <a:srgbClr val="000000"/>
                 </a:solidFill>
@@ -6329,27 +6127,19 @@
               </a:rPr>
               <a:t>서버</a:t>
             </a:r>
-            <a:endParaRPr xmlns:mc="http://schemas.openxmlformats.org/markup-compatibility/2006" xmlns:hp="http://schemas.haansoft.com/office/presentation/8.0" kumimoji="0" lang="ko-KR" altLang="en-US" sz="2600" b="0" i="0" u="none" strike="noStrike" kern="1200" cap="none" spc="0" normalizeH="0" baseline="0" mc:Ignorable="hp" hp:hslEmbossed="0">
-              <a:solidFill>
-                <a:srgbClr val="000000"/>
-              </a:solidFill>
-              <a:latin typeface="맑은 고딕"/>
-              <a:ea typeface="맑은 고딕"/>
-              <a:cs typeface="맑은 고딕"/>
-            </a:endParaRPr>
-          </a:p>
-        </p:txBody>
-      </p:sp>
-      <p:sp>
-        <p:nvSpPr>
-          <p:cNvPr id="29" name=""/>
+          </a:p>
+        </p:txBody>
+      </p:sp>
+      <p:sp>
+        <p:nvSpPr>
+          <p:cNvPr id="29" name="TextBox 28"/>
           <p:cNvSpPr txBox="1"/>
           <p:nvPr/>
         </p:nvSpPr>
         <p:spPr>
           <a:xfrm>
-            <a:off x="1566862" y="2139048"/>
-            <a:ext cx="9058276" cy="1002296"/>
+            <a:off x="1566862" y="1945449"/>
+            <a:ext cx="9058276" cy="1323439"/>
           </a:xfrm>
           <a:prstGeom prst="rect">
             <a:avLst/>
@@ -6359,6 +6149,7 @@
           <a:bodyPr wrap="square">
             <a:spAutoFit/>
           </a:bodyPr>
+          <a:lstStyle/>
           <a:p>
             <a:pPr marL="285600" indent="-285600" algn="l" defTabSz="914400" rtl="0" eaLnBrk="1" latinLnBrk="1" hangingPunct="1">
               <a:lnSpc>
@@ -6375,7 +6166,7 @@
               <a:defRPr/>
             </a:pPr>
             <a:r>
-              <a:rPr xmlns:mc="http://schemas.openxmlformats.org/markup-compatibility/2006" xmlns:hp="http://schemas.haansoft.com/office/presentation/8.0" kumimoji="0" lang="ko-KR" altLang="en-US" sz="2000" b="0" i="0" u="none" strike="noStrike" kern="1200" cap="none" spc="0" normalizeH="0" baseline="0" mc:Ignorable="hp" hp:hslEmbossed="0">
+              <a:rPr lang="ko-KR" altLang="en-US" sz="2000" dirty="0">
                 <a:solidFill>
                   <a:srgbClr val="000000"/>
                 </a:solidFill>
@@ -6383,10 +6174,10 @@
                 <a:ea typeface="맑은 고딕"/>
                 <a:cs typeface="맑은 고딕"/>
               </a:rPr>
-              <a:t>사물함 관리 창과 결제 창을 구성한다</a:t>
-            </a:r>
-            <a:r>
-              <a:rPr xmlns:mc="http://schemas.openxmlformats.org/markup-compatibility/2006" xmlns:hp="http://schemas.haansoft.com/office/presentation/8.0" kumimoji="0" lang="en-US" altLang="ko-KR" sz="2000" b="0" i="0" u="none" strike="noStrike" kern="1200" cap="none" spc="0" normalizeH="0" baseline="0" mc:Ignorable="hp" hp:hslEmbossed="0">
+              <a:t>클라이언트에서 서버로 보낸 관리자 로그인 데이터를 </a:t>
+            </a:r>
+            <a:r>
+              <a:rPr lang="en-US" altLang="ko-KR" sz="2000" dirty="0" err="1">
                 <a:solidFill>
                   <a:srgbClr val="000000"/>
                 </a:solidFill>
@@ -6394,9 +6185,20 @@
                 <a:ea typeface="맑은 고딕"/>
                 <a:cs typeface="맑은 고딕"/>
               </a:rPr>
-              <a:t>.</a:t>
-            </a:r>
-            <a:endParaRPr xmlns:mc="http://schemas.openxmlformats.org/markup-compatibility/2006" xmlns:hp="http://schemas.haansoft.com/office/presentation/8.0" kumimoji="0" lang="en-US" altLang="ko-KR" sz="2000" b="0" i="0" u="none" strike="noStrike" kern="1200" cap="none" spc="0" normalizeH="0" baseline="0" mc:Ignorable="hp" hp:hslEmbossed="0">
+              <a:t>sql</a:t>
+            </a:r>
+            <a:r>
+              <a:rPr lang="ko-KR" altLang="en-US" sz="2000" dirty="0">
+                <a:solidFill>
+                  <a:srgbClr val="000000"/>
+                </a:solidFill>
+                <a:latin typeface="맑은 고딕"/>
+                <a:ea typeface="맑은 고딕"/>
+                <a:cs typeface="맑은 고딕"/>
+              </a:rPr>
+              <a:t>을 통해 비교하고 데이터와 일치하면 페이지 이동한다</a:t>
+            </a:r>
+            <a:endParaRPr lang="en-US" altLang="ko-KR" sz="2000" dirty="0">
               <a:solidFill>
                 <a:srgbClr val="000000"/>
               </a:solidFill>
@@ -6421,7 +6223,7 @@
               <a:defRPr/>
             </a:pPr>
             <a:r>
-              <a:rPr xmlns:mc="http://schemas.openxmlformats.org/markup-compatibility/2006" xmlns:hp="http://schemas.haansoft.com/office/presentation/8.0" kumimoji="0" lang="ko-KR" altLang="en-US" sz="2000" b="0" i="0" u="none" strike="noStrike" kern="1200" cap="none" spc="0" normalizeH="0" baseline="0" mc:Ignorable="hp" hp:hslEmbossed="0">
+              <a:rPr lang="ko-KR" altLang="en-US" sz="2000" dirty="0">
                 <a:solidFill>
                   <a:srgbClr val="000000"/>
                 </a:solidFill>
@@ -6429,10 +6231,10 @@
                 <a:ea typeface="맑은 고딕"/>
                 <a:cs typeface="맑은 고딕"/>
               </a:rPr>
-              <a:t>데이터 베이스의 내용을 가져와 프로그램에 기여한다</a:t>
-            </a:r>
-            <a:r>
-              <a:rPr xmlns:mc="http://schemas.openxmlformats.org/markup-compatibility/2006" xmlns:hp="http://schemas.haansoft.com/office/presentation/8.0" kumimoji="0" lang="en-US" altLang="ko-KR" sz="2000" b="0" i="0" u="none" strike="noStrike" kern="1200" cap="none" spc="0" normalizeH="0" baseline="0" mc:Ignorable="hp" hp:hslEmbossed="0">
+              <a:t>클라이언트 로컬 시간을 계산하고 클라이언트의 입력내용을 </a:t>
+            </a:r>
+            <a:r>
+              <a:rPr lang="en-US" altLang="ko-KR" sz="2000" dirty="0" err="1">
                 <a:solidFill>
                   <a:srgbClr val="000000"/>
                 </a:solidFill>
@@ -6440,9 +6242,42 @@
                 <a:ea typeface="맑은 고딕"/>
                 <a:cs typeface="맑은 고딕"/>
               </a:rPr>
-              <a:t>.</a:t>
-            </a:r>
-            <a:endParaRPr xmlns:mc="http://schemas.openxmlformats.org/markup-compatibility/2006" xmlns:hp="http://schemas.haansoft.com/office/presentation/8.0" kumimoji="0" lang="en-US" altLang="ko-KR" sz="2000" b="0" i="0" u="none" strike="noStrike" kern="1200" cap="none" spc="0" normalizeH="0" baseline="0" mc:Ignorable="hp" hp:hslEmbossed="0">
+              <a:t>sql</a:t>
+            </a:r>
+            <a:r>
+              <a:rPr lang="ko-KR" altLang="en-US" sz="2000" dirty="0">
+                <a:solidFill>
+                  <a:srgbClr val="000000"/>
+                </a:solidFill>
+                <a:latin typeface="맑은 고딕"/>
+                <a:ea typeface="맑은 고딕"/>
+                <a:cs typeface="맑은 고딕"/>
+              </a:rPr>
+              <a:t>에 입력</a:t>
+            </a:r>
+            <a:r>
+              <a:rPr lang="en-US" altLang="ko-KR" sz="2000" dirty="0">
+                <a:solidFill>
+                  <a:srgbClr val="000000"/>
+                </a:solidFill>
+                <a:latin typeface="맑은 고딕"/>
+                <a:ea typeface="맑은 고딕"/>
+                <a:cs typeface="맑은 고딕"/>
+              </a:rPr>
+              <a:t>/</a:t>
+            </a:r>
+            <a:r>
+              <a:rPr lang="ko-KR" altLang="en-US" sz="2000" dirty="0">
+                <a:solidFill>
+                  <a:srgbClr val="000000"/>
+                </a:solidFill>
+                <a:latin typeface="맑은 고딕"/>
+                <a:ea typeface="맑은 고딕"/>
+                <a:cs typeface="맑은 고딕"/>
+              </a:rPr>
+              <a:t>수정한다</a:t>
+            </a:r>
+            <a:endParaRPr kumimoji="0" lang="en-US" altLang="ko-KR" sz="2000" b="0" i="0" u="none" strike="noStrike" kern="1200" cap="none" spc="0" normalizeH="0" baseline="0" dirty="0">
               <a:solidFill>
                 <a:srgbClr val="000000"/>
               </a:solidFill>
@@ -6451,6 +6286,28 @@
               <a:cs typeface="맑은 고딕"/>
             </a:endParaRPr>
           </a:p>
+        </p:txBody>
+      </p:sp>
+      <p:sp>
+        <p:nvSpPr>
+          <p:cNvPr id="30" name="TextBox 29"/>
+          <p:cNvSpPr txBox="1"/>
+          <p:nvPr/>
+        </p:nvSpPr>
+        <p:spPr>
+          <a:xfrm>
+            <a:off x="1566862" y="3739248"/>
+            <a:ext cx="9058276" cy="707886"/>
+          </a:xfrm>
+          <a:prstGeom prst="rect">
+            <a:avLst/>
+          </a:prstGeom>
+        </p:spPr>
+        <p:txBody>
+          <a:bodyPr wrap="square">
+            <a:spAutoFit/>
+          </a:bodyPr>
+          <a:lstStyle/>
           <a:p>
             <a:pPr marL="285600" indent="-285600" algn="l" defTabSz="914400" rtl="0" eaLnBrk="1" latinLnBrk="1" hangingPunct="1">
               <a:lnSpc>
@@ -6467,7 +6324,7 @@
               <a:defRPr/>
             </a:pPr>
             <a:r>
-              <a:rPr xmlns:mc="http://schemas.openxmlformats.org/markup-compatibility/2006" xmlns:hp="http://schemas.haansoft.com/office/presentation/8.0" kumimoji="0" lang="ko-KR" altLang="en-US" sz="2000" b="0" i="0" u="none" strike="noStrike" kern="1200" cap="none" spc="0" normalizeH="0" baseline="0" mc:Ignorable="hp" hp:hslEmbossed="0">
+              <a:rPr kumimoji="0" lang="ko-KR" altLang="en-US" sz="2000" b="0" i="0" u="none" strike="noStrike" kern="1200" cap="none" spc="0" normalizeH="0" baseline="0" dirty="0">
                 <a:solidFill>
                   <a:srgbClr val="000000"/>
                 </a:solidFill>
@@ -6475,10 +6332,10 @@
                 <a:ea typeface="맑은 고딕"/>
                 <a:cs typeface="맑은 고딕"/>
               </a:rPr>
-              <a:t>마지막 서버 페이지에서는 클라이언트 페이지로 바로 이동한다</a:t>
-            </a:r>
-            <a:r>
-              <a:rPr xmlns:mc="http://schemas.openxmlformats.org/markup-compatibility/2006" xmlns:hp="http://schemas.haansoft.com/office/presentation/8.0" kumimoji="0" lang="en-US" altLang="ko-KR" sz="2000" b="0" i="0" u="none" strike="noStrike" kern="1200" cap="none" spc="0" normalizeH="0" baseline="0" mc:Ignorable="hp" hp:hslEmbossed="0">
+              <a:t>실행 초기 페이지</a:t>
+            </a:r>
+            <a:r>
+              <a:rPr kumimoji="0" lang="en-US" altLang="ko-KR" sz="2000" b="0" i="0" u="none" strike="noStrike" kern="1200" cap="none" spc="0" normalizeH="0" baseline="0" dirty="0">
                 <a:solidFill>
                   <a:srgbClr val="000000"/>
                 </a:solidFill>
@@ -6486,38 +6343,42 @@
                 <a:ea typeface="맑은 고딕"/>
                 <a:cs typeface="맑은 고딕"/>
               </a:rPr>
-              <a:t>.</a:t>
-            </a:r>
-            <a:endParaRPr xmlns:mc="http://schemas.openxmlformats.org/markup-compatibility/2006" xmlns:hp="http://schemas.haansoft.com/office/presentation/8.0" kumimoji="0" lang="en-US" altLang="ko-KR" sz="2000" b="0" i="0" u="none" strike="noStrike" kern="1200" cap="none" spc="0" normalizeH="0" baseline="0" mc:Ignorable="hp" hp:hslEmbossed="0">
-              <a:solidFill>
-                <a:srgbClr val="000000"/>
-              </a:solidFill>
-              <a:latin typeface="맑은 고딕"/>
-              <a:ea typeface="맑은 고딕"/>
-              <a:cs typeface="맑은 고딕"/>
-            </a:endParaRPr>
-          </a:p>
-        </p:txBody>
-      </p:sp>
-      <p:sp>
-        <p:nvSpPr>
-          <p:cNvPr id="30" name=""/>
-          <p:cNvSpPr txBox="1"/>
-          <p:nvPr/>
-        </p:nvSpPr>
-        <p:spPr>
-          <a:xfrm>
-            <a:off x="1566862" y="3739248"/>
-            <a:ext cx="9058276" cy="697497"/>
-          </a:xfrm>
-          <a:prstGeom prst="rect">
-            <a:avLst/>
-          </a:prstGeom>
-        </p:spPr>
-        <p:txBody>
-          <a:bodyPr wrap="square">
-            <a:spAutoFit/>
-          </a:bodyPr>
+              <a:t>/</a:t>
+            </a:r>
+            <a:r>
+              <a:rPr kumimoji="0" lang="ko-KR" altLang="en-US" sz="2000" b="0" i="0" u="none" strike="noStrike" kern="1200" cap="none" spc="0" normalizeH="0" baseline="0" dirty="0">
+                <a:solidFill>
+                  <a:srgbClr val="000000"/>
+                </a:solidFill>
+                <a:latin typeface="맑은 고딕"/>
+                <a:ea typeface="맑은 고딕"/>
+                <a:cs typeface="맑은 고딕"/>
+              </a:rPr>
+              <a:t>물건 보관</a:t>
+            </a:r>
+            <a:r>
+              <a:rPr kumimoji="0" lang="en-US" altLang="ko-KR" sz="2000" b="0" i="0" u="none" strike="noStrike" kern="1200" cap="none" spc="0" normalizeH="0" baseline="0" dirty="0">
+                <a:solidFill>
+                  <a:srgbClr val="000000"/>
+                </a:solidFill>
+                <a:latin typeface="맑은 고딕"/>
+                <a:ea typeface="맑은 고딕"/>
+                <a:cs typeface="맑은 고딕"/>
+              </a:rPr>
+              <a:t>/</a:t>
+            </a:r>
+            <a:r>
+              <a:rPr kumimoji="0" lang="ko-KR" altLang="en-US" sz="2000" b="0" i="0" u="none" strike="noStrike" kern="1200" cap="none" spc="0" normalizeH="0" baseline="0">
+                <a:solidFill>
+                  <a:srgbClr val="000000"/>
+                </a:solidFill>
+                <a:latin typeface="맑은 고딕"/>
+                <a:ea typeface="맑은 고딕"/>
+                <a:cs typeface="맑은 고딕"/>
+              </a:rPr>
+              <a:t>물건 찾기</a:t>
+            </a:r>
+          </a:p>
           <a:p>
             <a:pPr marL="285600" indent="-285600" algn="l" defTabSz="914400" rtl="0" eaLnBrk="1" latinLnBrk="1" hangingPunct="1">
               <a:lnSpc>
@@ -6534,7 +6395,7 @@
               <a:defRPr/>
             </a:pPr>
             <a:r>
-              <a:rPr xmlns:mc="http://schemas.openxmlformats.org/markup-compatibility/2006" xmlns:hp="http://schemas.haansoft.com/office/presentation/8.0" kumimoji="0" lang="ko-KR" altLang="en-US" sz="2000" b="0" i="0" u="none" strike="noStrike" kern="1200" cap="none" spc="0" normalizeH="0" baseline="0" mc:Ignorable="hp" hp:hslEmbossed="0">
+              <a:rPr kumimoji="0" lang="ko-KR" altLang="en-US" sz="2000" b="0" i="0" u="none" strike="noStrike" kern="1200" cap="none" spc="0" normalizeH="0" baseline="0" dirty="0">
                 <a:solidFill>
                   <a:srgbClr val="000000"/>
                 </a:solidFill>
@@ -6542,17 +6403,31 @@
                 <a:ea typeface="맑은 고딕"/>
                 <a:cs typeface="맑은 고딕"/>
               </a:rPr>
-              <a:t>실행 초기 페이지</a:t>
-            </a:r>
-            <a:endParaRPr xmlns:mc="http://schemas.openxmlformats.org/markup-compatibility/2006" xmlns:hp="http://schemas.haansoft.com/office/presentation/8.0" kumimoji="0" lang="ko-KR" altLang="en-US" sz="2000" b="0" i="0" u="none" strike="noStrike" kern="1200" cap="none" spc="0" normalizeH="0" baseline="0" mc:Ignorable="hp" hp:hslEmbossed="0">
-              <a:solidFill>
-                <a:srgbClr val="000000"/>
-              </a:solidFill>
-              <a:latin typeface="맑은 고딕"/>
-              <a:ea typeface="맑은 고딕"/>
-              <a:cs typeface="맑은 고딕"/>
-            </a:endParaRPr>
-          </a:p>
+              <a:t>관리자 로그인 페이지</a:t>
+            </a:r>
+          </a:p>
+        </p:txBody>
+      </p:sp>
+      <p:sp>
+        <p:nvSpPr>
+          <p:cNvPr id="31" name="TextBox 30"/>
+          <p:cNvSpPr txBox="1"/>
+          <p:nvPr/>
+        </p:nvSpPr>
+        <p:spPr>
+          <a:xfrm>
+            <a:off x="1566862" y="5110848"/>
+            <a:ext cx="9058276" cy="1002296"/>
+          </a:xfrm>
+          <a:prstGeom prst="rect">
+            <a:avLst/>
+          </a:prstGeom>
+        </p:spPr>
+        <p:txBody>
+          <a:bodyPr wrap="square">
+            <a:spAutoFit/>
+          </a:bodyPr>
+          <a:lstStyle/>
           <a:p>
             <a:pPr marL="285600" indent="-285600" algn="l" defTabSz="914400" rtl="0" eaLnBrk="1" latinLnBrk="1" hangingPunct="1">
               <a:lnSpc>
@@ -6569,7 +6444,7 @@
               <a:defRPr/>
             </a:pPr>
             <a:r>
-              <a:rPr xmlns:mc="http://schemas.openxmlformats.org/markup-compatibility/2006" xmlns:hp="http://schemas.haansoft.com/office/presentation/8.0" kumimoji="0" lang="ko-KR" altLang="en-US" sz="2000" b="0" i="0" u="none" strike="noStrike" kern="1200" cap="none" spc="0" normalizeH="0" baseline="0" mc:Ignorable="hp" hp:hslEmbossed="0">
+              <a:rPr kumimoji="0" lang="ko-KR" altLang="en-US" sz="2000" b="0" i="0" u="none" strike="noStrike" kern="1200" cap="none" spc="0" normalizeH="0" baseline="0">
                 <a:solidFill>
                   <a:srgbClr val="000000"/>
                 </a:solidFill>
@@ -6577,38 +6452,9 @@
                 <a:ea typeface="맑은 고딕"/>
                 <a:cs typeface="맑은 고딕"/>
               </a:rPr>
-              <a:t>관리자 로그인 페이지</a:t>
-            </a:r>
-            <a:endParaRPr xmlns:mc="http://schemas.openxmlformats.org/markup-compatibility/2006" xmlns:hp="http://schemas.haansoft.com/office/presentation/8.0" kumimoji="0" lang="ko-KR" altLang="en-US" sz="2000" b="0" i="0" u="none" strike="noStrike" kern="1200" cap="none" spc="0" normalizeH="0" baseline="0" mc:Ignorable="hp" hp:hslEmbossed="0">
-              <a:solidFill>
-                <a:srgbClr val="000000"/>
-              </a:solidFill>
-              <a:latin typeface="맑은 고딕"/>
-              <a:ea typeface="맑은 고딕"/>
-              <a:cs typeface="맑은 고딕"/>
-            </a:endParaRPr>
-          </a:p>
-        </p:txBody>
-      </p:sp>
-      <p:sp>
-        <p:nvSpPr>
-          <p:cNvPr id="31" name=""/>
-          <p:cNvSpPr txBox="1"/>
-          <p:nvPr/>
-        </p:nvSpPr>
-        <p:spPr>
-          <a:xfrm>
-            <a:off x="1566862" y="5110848"/>
-            <a:ext cx="9058276" cy="1002296"/>
-          </a:xfrm>
-          <a:prstGeom prst="rect">
-            <a:avLst/>
-          </a:prstGeom>
-        </p:spPr>
-        <p:txBody>
-          <a:bodyPr wrap="square">
-            <a:spAutoFit/>
-          </a:bodyPr>
+              <a:t>사물함 사용 가능 정보</a:t>
+            </a:r>
+          </a:p>
           <a:p>
             <a:pPr marL="285600" indent="-285600" algn="l" defTabSz="914400" rtl="0" eaLnBrk="1" latinLnBrk="1" hangingPunct="1">
               <a:lnSpc>
@@ -6625,7 +6471,7 @@
               <a:defRPr/>
             </a:pPr>
             <a:r>
-              <a:rPr xmlns:mc="http://schemas.openxmlformats.org/markup-compatibility/2006" xmlns:hp="http://schemas.haansoft.com/office/presentation/8.0" kumimoji="0" lang="ko-KR" altLang="en-US" sz="2000" b="0" i="0" u="none" strike="noStrike" kern="1200" cap="none" spc="0" normalizeH="0" baseline="0" mc:Ignorable="hp" hp:hslEmbossed="0">
+              <a:rPr kumimoji="0" lang="ko-KR" altLang="en-US" sz="2000" b="0" i="0" u="none" strike="noStrike" kern="1200" cap="none" spc="0" normalizeH="0" baseline="0">
                 <a:solidFill>
                   <a:srgbClr val="000000"/>
                 </a:solidFill>
@@ -6633,16 +6479,8 @@
                 <a:ea typeface="맑은 고딕"/>
                 <a:cs typeface="맑은 고딕"/>
               </a:rPr>
-              <a:t>사물함 사용 가능 정보</a:t>
-            </a:r>
-            <a:endParaRPr xmlns:mc="http://schemas.openxmlformats.org/markup-compatibility/2006" xmlns:hp="http://schemas.haansoft.com/office/presentation/8.0" kumimoji="0" lang="ko-KR" altLang="en-US" sz="2000" b="0" i="0" u="none" strike="noStrike" kern="1200" cap="none" spc="0" normalizeH="0" baseline="0" mc:Ignorable="hp" hp:hslEmbossed="0">
-              <a:solidFill>
-                <a:srgbClr val="000000"/>
-              </a:solidFill>
-              <a:latin typeface="맑은 고딕"/>
-              <a:ea typeface="맑은 고딕"/>
-              <a:cs typeface="맑은 고딕"/>
-            </a:endParaRPr>
+              <a:t>사물함 이용 내역</a:t>
+            </a:r>
           </a:p>
           <a:p>
             <a:pPr marL="285600" indent="-285600" algn="l" defTabSz="914400" rtl="0" eaLnBrk="1" latinLnBrk="1" hangingPunct="1">
@@ -6660,42 +6498,7 @@
               <a:defRPr/>
             </a:pPr>
             <a:r>
-              <a:rPr xmlns:mc="http://schemas.openxmlformats.org/markup-compatibility/2006" xmlns:hp="http://schemas.haansoft.com/office/presentation/8.0" kumimoji="0" lang="ko-KR" altLang="en-US" sz="2000" b="0" i="0" u="none" strike="noStrike" kern="1200" cap="none" spc="0" normalizeH="0" baseline="0" mc:Ignorable="hp" hp:hslEmbossed="0">
-                <a:solidFill>
-                  <a:srgbClr val="000000"/>
-                </a:solidFill>
-                <a:latin typeface="맑은 고딕"/>
-                <a:ea typeface="맑은 고딕"/>
-                <a:cs typeface="맑은 고딕"/>
-              </a:rPr>
-              <a:t>사물함 이용 내역</a:t>
-            </a:r>
-            <a:endParaRPr xmlns:mc="http://schemas.openxmlformats.org/markup-compatibility/2006" xmlns:hp="http://schemas.haansoft.com/office/presentation/8.0" kumimoji="0" lang="ko-KR" altLang="en-US" sz="2000" b="0" i="0" u="none" strike="noStrike" kern="1200" cap="none" spc="0" normalizeH="0" baseline="0" mc:Ignorable="hp" hp:hslEmbossed="0">
-              <a:solidFill>
-                <a:srgbClr val="000000"/>
-              </a:solidFill>
-              <a:latin typeface="맑은 고딕"/>
-              <a:ea typeface="맑은 고딕"/>
-              <a:cs typeface="맑은 고딕"/>
-            </a:endParaRPr>
-          </a:p>
-          <a:p>
-            <a:pPr marL="285600" indent="-285600" algn="l" defTabSz="914400" rtl="0" eaLnBrk="1" latinLnBrk="1" hangingPunct="1">
-              <a:lnSpc>
-                <a:spcPct val="100000"/>
-              </a:lnSpc>
-              <a:spcBef>
-                <a:spcPct val="0"/>
-              </a:spcBef>
-              <a:spcAft>
-                <a:spcPts val="0"/>
-              </a:spcAft>
-              <a:buFont typeface="Arial"/>
-              <a:buChar char="•"/>
-              <a:defRPr/>
-            </a:pPr>
-            <a:r>
-              <a:rPr xmlns:mc="http://schemas.openxmlformats.org/markup-compatibility/2006" xmlns:hp="http://schemas.haansoft.com/office/presentation/8.0" kumimoji="0" lang="ko-KR" altLang="en-US" sz="2000" b="0" i="0" u="none" strike="noStrike" kern="1200" cap="none" spc="0" normalizeH="0" baseline="0" mc:Ignorable="hp" hp:hslEmbossed="0">
+              <a:rPr kumimoji="0" lang="ko-KR" altLang="en-US" sz="2000" b="0" i="0" u="none" strike="noStrike" kern="1200" cap="none" spc="0" normalizeH="0" baseline="0">
                 <a:solidFill>
                   <a:srgbClr val="000000"/>
                 </a:solidFill>
@@ -6705,20 +6508,12 @@
               </a:rPr>
               <a:t>관리자 정보</a:t>
             </a:r>
-            <a:endParaRPr xmlns:mc="http://schemas.openxmlformats.org/markup-compatibility/2006" xmlns:hp="http://schemas.haansoft.com/office/presentation/8.0" kumimoji="0" lang="ko-KR" altLang="en-US" sz="2000" b="0" i="0" u="none" strike="noStrike" kern="1200" cap="none" spc="0" normalizeH="0" baseline="0" mc:Ignorable="hp" hp:hslEmbossed="0">
-              <a:solidFill>
-                <a:srgbClr val="000000"/>
-              </a:solidFill>
-              <a:latin typeface="맑은 고딕"/>
-              <a:ea typeface="맑은 고딕"/>
-              <a:cs typeface="맑은 고딕"/>
-            </a:endParaRPr>
-          </a:p>
-        </p:txBody>
-      </p:sp>
-      <p:sp>
-        <p:nvSpPr>
-          <p:cNvPr id="32" name=""/>
+          </a:p>
+        </p:txBody>
+      </p:sp>
+      <p:sp>
+        <p:nvSpPr>
+          <p:cNvPr id="32" name="TextBox 31"/>
           <p:cNvSpPr txBox="1"/>
           <p:nvPr/>
         </p:nvSpPr>
@@ -6735,6 +6530,7 @@
           <a:bodyPr wrap="square">
             <a:spAutoFit/>
           </a:bodyPr>
+          <a:lstStyle/>
           <a:p>
             <a:pPr marL="0" indent="0" algn="l" defTabSz="914400" rtl="0" eaLnBrk="1" latinLnBrk="1" hangingPunct="1">
               <a:lnSpc>
@@ -6750,7 +6546,7 @@
               <a:defRPr/>
             </a:pPr>
             <a:r>
-              <a:rPr xmlns:mc="http://schemas.openxmlformats.org/markup-compatibility/2006" xmlns:hp="http://schemas.haansoft.com/office/presentation/8.0" kumimoji="0" lang="en-US" altLang="ko-KR" sz="2600" b="0" i="0" u="none" strike="noStrike" kern="1200" cap="none" spc="0" normalizeH="0" baseline="0" mc:Ignorable="hp" hp:hslEmbossed="0">
+              <a:rPr kumimoji="0" lang="en-US" altLang="ko-KR" sz="2600" b="0" i="0" u="none" strike="noStrike" kern="1200" cap="none" spc="0" normalizeH="0" baseline="0">
                 <a:solidFill>
                   <a:srgbClr val="000000"/>
                 </a:solidFill>
@@ -6761,7 +6557,7 @@
               <a:t>-</a:t>
             </a:r>
             <a:r>
-              <a:rPr xmlns:mc="http://schemas.openxmlformats.org/markup-compatibility/2006" xmlns:hp="http://schemas.haansoft.com/office/presentation/8.0" kumimoji="0" lang="ko-KR" altLang="en-US" sz="2600" b="0" i="0" u="none" strike="noStrike" kern="1200" cap="none" spc="0" normalizeH="0" baseline="0" mc:Ignorable="hp" hp:hslEmbossed="0">
+              <a:rPr kumimoji="0" lang="ko-KR" altLang="en-US" sz="2600" b="0" i="0" u="none" strike="noStrike" kern="1200" cap="none" spc="0" normalizeH="0" baseline="0">
                 <a:solidFill>
                   <a:srgbClr val="000000"/>
                 </a:solidFill>
@@ -6771,20 +6567,12 @@
               </a:rPr>
               <a:t>클라이언트</a:t>
             </a:r>
-            <a:endParaRPr xmlns:mc="http://schemas.openxmlformats.org/markup-compatibility/2006" xmlns:hp="http://schemas.haansoft.com/office/presentation/8.0" kumimoji="0" lang="ko-KR" altLang="en-US" sz="2600" b="0" i="0" u="none" strike="noStrike" kern="1200" cap="none" spc="0" normalizeH="0" baseline="0" mc:Ignorable="hp" hp:hslEmbossed="0">
-              <a:solidFill>
-                <a:srgbClr val="000000"/>
-              </a:solidFill>
-              <a:latin typeface="맑은 고딕"/>
-              <a:ea typeface="맑은 고딕"/>
-              <a:cs typeface="맑은 고딕"/>
-            </a:endParaRPr>
-          </a:p>
-        </p:txBody>
-      </p:sp>
-      <p:sp>
-        <p:nvSpPr>
-          <p:cNvPr id="33" name=""/>
+          </a:p>
+        </p:txBody>
+      </p:sp>
+      <p:sp>
+        <p:nvSpPr>
+          <p:cNvPr id="33" name="TextBox 32"/>
           <p:cNvSpPr txBox="1"/>
           <p:nvPr/>
         </p:nvSpPr>
@@ -6801,6 +6589,7 @@
           <a:bodyPr wrap="square">
             <a:spAutoFit/>
           </a:bodyPr>
+          <a:lstStyle/>
           <a:p>
             <a:pPr marL="0" indent="0" algn="l" defTabSz="914400" rtl="0" eaLnBrk="1" latinLnBrk="1" hangingPunct="1">
               <a:lnSpc>
@@ -6816,7 +6605,7 @@
               <a:defRPr/>
             </a:pPr>
             <a:r>
-              <a:rPr xmlns:mc="http://schemas.openxmlformats.org/markup-compatibility/2006" xmlns:hp="http://schemas.haansoft.com/office/presentation/8.0" kumimoji="0" lang="en-US" altLang="ko-KR" sz="2600" b="0" i="0" u="none" strike="noStrike" kern="1200" cap="none" spc="0" normalizeH="0" baseline="0" mc:Ignorable="hp" hp:hslEmbossed="0">
+              <a:rPr kumimoji="0" lang="en-US" altLang="ko-KR" sz="2600" b="0" i="0" u="none" strike="noStrike" kern="1200" cap="none" spc="0" normalizeH="0" baseline="0">
                 <a:solidFill>
                   <a:srgbClr val="000000"/>
                 </a:solidFill>
@@ -6827,7 +6616,7 @@
               <a:t>-</a:t>
             </a:r>
             <a:r>
-              <a:rPr xmlns:mc="http://schemas.openxmlformats.org/markup-compatibility/2006" xmlns:hp="http://schemas.haansoft.com/office/presentation/8.0" kumimoji="0" lang="ko-KR" altLang="en-US" sz="2600" b="0" i="0" u="none" strike="noStrike" kern="1200" cap="none" spc="0" normalizeH="0" baseline="0" mc:Ignorable="hp" hp:hslEmbossed="0">
+              <a:rPr kumimoji="0" lang="ko-KR" altLang="en-US" sz="2600" b="0" i="0" u="none" strike="noStrike" kern="1200" cap="none" spc="0" normalizeH="0" baseline="0">
                 <a:solidFill>
                   <a:srgbClr val="000000"/>
                 </a:solidFill>
@@ -6837,14 +6626,6 @@
               </a:rPr>
               <a:t>데이터 베이스</a:t>
             </a:r>
-            <a:endParaRPr xmlns:mc="http://schemas.openxmlformats.org/markup-compatibility/2006" xmlns:hp="http://schemas.haansoft.com/office/presentation/8.0" kumimoji="0" lang="ko-KR" altLang="en-US" sz="2600" b="0" i="0" u="none" strike="noStrike" kern="1200" cap="none" spc="0" normalizeH="0" baseline="0" mc:Ignorable="hp" hp:hslEmbossed="0">
-              <a:solidFill>
-                <a:srgbClr val="000000"/>
-              </a:solidFill>
-              <a:latin typeface="맑은 고딕"/>
-              <a:ea typeface="맑은 고딕"/>
-              <a:cs typeface="맑은 고딕"/>
-            </a:endParaRPr>
           </a:p>
         </p:txBody>
       </p:sp>
@@ -6853,11 +6634,11 @@
   <p:clrMapOvr>
     <a:masterClrMapping/>
   </p:clrMapOvr>
-  <mc:AlternateContent xmlns:mc="http://schemas.openxmlformats.org/markup-compatibility/2006">
-    <mc:Choice xmlns:p14="http://schemas.microsoft.com/office/powerpoint/2010/main" Requires="p14">
-      <p:transition xmlns:mc="http://schemas.openxmlformats.org/markup-compatibility/2006" xmlns:p14="http://schemas.microsoft.com/office/powerpoint/2010/main" mc:Ignorable="p14" p14:dur="500"/>
+  <mc:AlternateContent xmlns:mc="http://schemas.openxmlformats.org/markup-compatibility/2006" xmlns:p14="http://schemas.microsoft.com/office/powerpoint/2010/main">
+    <mc:Choice Requires="p14">
+      <p:transition/>
     </mc:Choice>
-    <mc:Fallback>
+    <mc:Fallback xmlns:dsp="http://schemas.microsoft.com/office/drawing/2008/diagram" xmlns:dgm="http://schemas.openxmlformats.org/drawingml/2006/diagram" xmlns:c="http://schemas.openxmlformats.org/drawingml/2006/chart" xmlns="">
       <p:transition/>
     </mc:Fallback>
   </mc:AlternateContent>
@@ -6865,7 +6646,7 @@
 </file>
 
 <file path=ppt/slides/slide14.xml><?xml version="1.0" encoding="utf-8"?>
-<p:sld xmlns:r="http://schemas.openxmlformats.org/officeDocument/2006/relationships" xmlns:c="http://schemas.openxmlformats.org/drawingml/2006/chart" xmlns:a="http://schemas.openxmlformats.org/drawingml/2006/main" xmlns:dgm="http://schemas.openxmlformats.org/drawingml/2006/diagram" xmlns:dsp="http://schemas.microsoft.com/office/drawing/2008/diagram" xmlns:p="http://schemas.openxmlformats.org/presentationml/2006/main">
+<p:sld xmlns:a="http://schemas.openxmlformats.org/drawingml/2006/main" xmlns:r="http://schemas.openxmlformats.org/officeDocument/2006/relationships" xmlns:p="http://schemas.openxmlformats.org/presentationml/2006/main">
   <p:cSld>
     <p:spTree>
       <p:nvGrpSpPr>
@@ -6960,21 +6741,6 @@
               </a:rPr>
               <a:t>”</a:t>
             </a:r>
-            <a:endParaRPr lang="en-US" altLang="ko-KR" sz="3600">
-              <a:gradFill>
-                <a:gsLst>
-                  <a:gs pos="0">
-                    <a:schemeClr val="tx1"/>
-                  </a:gs>
-                  <a:gs pos="100000">
-                    <a:schemeClr val="tx1"/>
-                  </a:gs>
-                </a:gsLst>
-                <a:lin ang="5400000" scaled="1"/>
-              </a:gradFill>
-              <a:latin typeface="210 굴림 070"/>
-              <a:ea typeface="210 굴림 070"/>
-            </a:endParaRPr>
           </a:p>
         </p:txBody>
       </p:sp>
@@ -7056,11 +6822,11 @@
   <p:clrMapOvr>
     <a:masterClrMapping/>
   </p:clrMapOvr>
-  <mc:AlternateContent xmlns:mc="http://schemas.openxmlformats.org/markup-compatibility/2006">
-    <mc:Choice xmlns:p14="http://schemas.microsoft.com/office/powerpoint/2010/main" Requires="p14">
-      <p:transition xmlns:mc="http://schemas.openxmlformats.org/markup-compatibility/2006" xmlns:p14="http://schemas.microsoft.com/office/powerpoint/2010/main" mc:Ignorable="p14" p14:dur="500"/>
+  <mc:AlternateContent xmlns:mc="http://schemas.openxmlformats.org/markup-compatibility/2006" xmlns:p14="http://schemas.microsoft.com/office/powerpoint/2010/main">
+    <mc:Choice Requires="p14">
+      <p:transition/>
     </mc:Choice>
-    <mc:Fallback>
+    <mc:Fallback xmlns:dsp="http://schemas.microsoft.com/office/drawing/2008/diagram" xmlns:dgm="http://schemas.openxmlformats.org/drawingml/2006/diagram" xmlns:c="http://schemas.openxmlformats.org/drawingml/2006/chart" xmlns="">
       <p:transition/>
     </mc:Fallback>
   </mc:AlternateContent>
@@ -7068,7 +6834,7 @@
 </file>
 
 <file path=ppt/slides/slide2.xml><?xml version="1.0" encoding="utf-8"?>
-<p:sld xmlns:r="http://schemas.openxmlformats.org/officeDocument/2006/relationships" xmlns:c="http://schemas.openxmlformats.org/drawingml/2006/chart" xmlns:a="http://schemas.openxmlformats.org/drawingml/2006/main" xmlns:dgm="http://schemas.openxmlformats.org/drawingml/2006/diagram" xmlns:dsp="http://schemas.microsoft.com/office/drawing/2008/diagram" xmlns:p="http://schemas.openxmlformats.org/presentationml/2006/main">
+<p:sld xmlns:a="http://schemas.openxmlformats.org/drawingml/2006/main" xmlns:r="http://schemas.openxmlformats.org/officeDocument/2006/relationships" xmlns:p="http://schemas.openxmlformats.org/presentationml/2006/main">
   <p:cSld>
     <p:spTree>
       <p:nvGrpSpPr>
@@ -7182,7 +6948,7 @@
       </p:sp>
       <p:sp>
         <p:nvSpPr>
-          <p:cNvPr id="12" name=""/>
+          <p:cNvPr id="12" name="TextBox 11"/>
           <p:cNvSpPr txBox="1"/>
           <p:nvPr/>
         </p:nvSpPr>
@@ -7199,6 +6965,7 @@
           <a:bodyPr wrap="square">
             <a:spAutoFit/>
           </a:bodyPr>
+          <a:lstStyle/>
           <a:p>
             <a:pPr algn="ctr" latinLnBrk="1">
               <a:defRPr lang="ko-KR" altLang="en-US"/>
@@ -7221,21 +6988,6 @@
               </a:rPr>
               <a:t>무인 운영 사물함</a:t>
             </a:r>
-            <a:endParaRPr lang="ko-KR" altLang="en-US" sz="5000">
-              <a:gradFill>
-                <a:gsLst>
-                  <a:gs pos="0">
-                    <a:schemeClr val="tx1"/>
-                  </a:gs>
-                  <a:gs pos="100000">
-                    <a:schemeClr val="tx1"/>
-                  </a:gs>
-                </a:gsLst>
-                <a:lin ang="5400000" scaled="1"/>
-              </a:gradFill>
-              <a:latin typeface="210 굴림 070"/>
-              <a:ea typeface="210 굴림 070"/>
-            </a:endParaRPr>
           </a:p>
         </p:txBody>
       </p:sp>
@@ -7244,26 +6996,19 @@
   <p:clrMapOvr>
     <a:masterClrMapping/>
   </p:clrMapOvr>
-  <mc:AlternateContent xmlns:mc="http://schemas.openxmlformats.org/markup-compatibility/2006">
-    <mc:Choice xmlns:p14="http://schemas.microsoft.com/office/powerpoint/2010/main" Requires="p14">
-      <p:transition xmlns:mc="http://schemas.openxmlformats.org/markup-compatibility/2006" xmlns:p14="http://schemas.microsoft.com/office/powerpoint/2010/main" mc:Ignorable="p14" p14:dur="500"/>
+  <mc:AlternateContent xmlns:mc="http://schemas.openxmlformats.org/markup-compatibility/2006" xmlns:p14="http://schemas.microsoft.com/office/powerpoint/2010/main">
+    <mc:Choice Requires="p14">
+      <p:transition/>
     </mc:Choice>
-    <mc:Fallback>
+    <mc:Fallback xmlns:dsp="http://schemas.microsoft.com/office/drawing/2008/diagram" xmlns:dgm="http://schemas.openxmlformats.org/drawingml/2006/diagram" xmlns:c="http://schemas.openxmlformats.org/drawingml/2006/chart" xmlns="">
       <p:transition/>
     </mc:Fallback>
   </mc:AlternateContent>
-  <p:timing>
-    <p:tnLst>
-      <p:par>
-        <p:cTn id="1" dur="indefinite" restart="never" nodeType="tmRoot"/>
-      </p:par>
-    </p:tnLst>
-  </p:timing>
 </p:sld>
 </file>
 
 <file path=ppt/slides/slide3.xml><?xml version="1.0" encoding="utf-8"?>
-<p:sld xmlns:r="http://schemas.openxmlformats.org/officeDocument/2006/relationships" xmlns:c="http://schemas.openxmlformats.org/drawingml/2006/chart" xmlns:a="http://schemas.openxmlformats.org/drawingml/2006/main" xmlns:dgm="http://schemas.openxmlformats.org/drawingml/2006/diagram" xmlns:dsp="http://schemas.microsoft.com/office/drawing/2008/diagram" xmlns:p="http://schemas.openxmlformats.org/presentationml/2006/main">
+<p:sld xmlns:a="http://schemas.openxmlformats.org/drawingml/2006/main" xmlns:r="http://schemas.openxmlformats.org/officeDocument/2006/relationships" xmlns:p="http://schemas.openxmlformats.org/presentationml/2006/main">
   <p:cSld>
     <p:spTree>
       <p:nvGrpSpPr>
@@ -7405,16 +7150,12 @@
               </a:rPr>
               <a:t> </a:t>
             </a:r>
-            <a:endParaRPr lang="ko-KR" altLang="en-US" sz="4500">
-              <a:latin typeface="HY견고딕"/>
-              <a:ea typeface="HY견고딕"/>
-            </a:endParaRPr>
-          </a:p>
-        </p:txBody>
-      </p:sp>
-      <p:sp>
-        <p:nvSpPr>
-          <p:cNvPr id="10" name=""/>
+          </a:p>
+        </p:txBody>
+      </p:sp>
+      <p:sp>
+        <p:nvSpPr>
+          <p:cNvPr id="10" name="TextBox 9"/>
           <p:cNvSpPr txBox="1"/>
           <p:nvPr/>
         </p:nvSpPr>
@@ -7431,6 +7172,7 @@
           <a:bodyPr wrap="square">
             <a:spAutoFit/>
           </a:bodyPr>
+          <a:lstStyle/>
           <a:p>
             <a:pPr marL="0" indent="0" algn="ctr" defTabSz="914400" rtl="0" eaLnBrk="1" latinLnBrk="1" hangingPunct="1">
               <a:lnSpc>
@@ -7446,7 +7188,7 @@
               <a:defRPr lang="ko-KR" altLang="en-US"/>
             </a:pPr>
             <a:r>
-              <a:rPr xmlns:mc="http://schemas.openxmlformats.org/markup-compatibility/2006" xmlns:hp="http://schemas.haansoft.com/office/presentation/8.0" kumimoji="0" lang="ko-KR" altLang="en-US" sz="4800" b="0" i="0" u="none" strike="noStrike" kern="1200" cap="none" spc="0" normalizeH="0" baseline="0" mc:Ignorable="hp" hp:hslEmbossed="0">
+              <a:rPr kumimoji="0" lang="ko-KR" altLang="en-US" sz="4800" b="0" i="0" u="none" strike="noStrike" kern="1200" cap="none" spc="0" normalizeH="0" baseline="0">
                 <a:gradFill>
                   <a:gsLst>
                     <a:gs pos="0">
@@ -7463,27 +7205,12 @@
               </a:rPr>
               <a:t>개발 목표</a:t>
             </a:r>
-            <a:endParaRPr xmlns:mc="http://schemas.openxmlformats.org/markup-compatibility/2006" xmlns:hp="http://schemas.haansoft.com/office/presentation/8.0" kumimoji="0" lang="ko-KR" altLang="en-US" sz="4800" b="0" i="0" u="none" strike="noStrike" kern="1200" cap="none" spc="0" normalizeH="0" baseline="0" mc:Ignorable="hp" hp:hslEmbossed="0">
-              <a:gradFill>
-                <a:gsLst>
-                  <a:gs pos="0">
-                    <a:schemeClr val="tx1"/>
-                  </a:gs>
-                  <a:gs pos="100000">
-                    <a:schemeClr val="tx1"/>
-                  </a:gs>
-                </a:gsLst>
-                <a:lin ang="5400000" scaled="1"/>
-              </a:gradFill>
-              <a:latin typeface="210 굴림 070"/>
-              <a:ea typeface="210 굴림 070"/>
-            </a:endParaRPr>
-          </a:p>
-        </p:txBody>
-      </p:sp>
-      <p:sp>
-        <p:nvSpPr>
-          <p:cNvPr id="12" name=""/>
+          </a:p>
+        </p:txBody>
+      </p:sp>
+      <p:sp>
+        <p:nvSpPr>
+          <p:cNvPr id="12" name="TextBox 11"/>
           <p:cNvSpPr txBox="1"/>
           <p:nvPr/>
         </p:nvSpPr>
@@ -7500,6 +7227,7 @@
           <a:bodyPr wrap="square">
             <a:spAutoFit/>
           </a:bodyPr>
+          <a:lstStyle/>
           <a:p>
             <a:pPr>
               <a:defRPr/>
@@ -7512,13 +7240,12 @@
               <a:rPr lang="ko-KR" altLang="en-US" sz="2800"/>
               <a:t>목표</a:t>
             </a:r>
-            <a:endParaRPr lang="ko-KR" altLang="en-US" sz="2800"/>
-          </a:p>
-        </p:txBody>
-      </p:sp>
-      <p:sp>
-        <p:nvSpPr>
-          <p:cNvPr id="13" name=""/>
+          </a:p>
+        </p:txBody>
+      </p:sp>
+      <p:sp>
+        <p:nvSpPr>
+          <p:cNvPr id="13" name="TextBox 12"/>
           <p:cNvSpPr txBox="1"/>
           <p:nvPr/>
         </p:nvSpPr>
@@ -7535,6 +7262,7 @@
           <a:bodyPr wrap="square">
             <a:spAutoFit/>
           </a:bodyPr>
+          <a:lstStyle/>
           <a:p>
             <a:pPr>
               <a:defRPr/>
@@ -7545,7 +7273,7 @@
       </p:sp>
       <p:sp>
         <p:nvSpPr>
-          <p:cNvPr id="15" name=""/>
+          <p:cNvPr id="15" name="TextBox 14"/>
           <p:cNvSpPr txBox="1"/>
           <p:nvPr/>
         </p:nvSpPr>
@@ -7562,6 +7290,7 @@
           <a:bodyPr wrap="square">
             <a:spAutoFit/>
           </a:bodyPr>
+          <a:lstStyle/>
           <a:p>
             <a:pPr marL="285600" indent="-285600">
               <a:buFont typeface="Arial"/>
@@ -7572,7 +7301,6 @@
               <a:rPr lang="ko-KR" altLang="en-US" sz="2000"/>
               <a:t>생활 속에 보이는 사물함의 이용 과정을 웹 페이지로 구현하기</a:t>
             </a:r>
-            <a:endParaRPr lang="ko-KR" altLang="en-US" sz="2000"/>
           </a:p>
           <a:p>
             <a:pPr marL="285600" indent="-285600">
@@ -7584,7 +7312,6 @@
               <a:rPr lang="ko-KR" altLang="en-US" sz="2000"/>
               <a:t>데이터 베이스에 사물함 정보를 저장하고 사용하기</a:t>
             </a:r>
-            <a:endParaRPr lang="ko-KR" altLang="en-US" sz="2000"/>
           </a:p>
           <a:p>
             <a:pPr marL="285600" indent="-285600">
@@ -7596,7 +7323,6 @@
               <a:rPr lang="ko-KR" altLang="en-US" sz="2000"/>
               <a:t>사물함의 크기와 시간에 따라서 가격을 달리하기</a:t>
             </a:r>
-            <a:endParaRPr lang="ko-KR" altLang="en-US" sz="2000"/>
           </a:p>
         </p:txBody>
       </p:sp>
@@ -7605,11 +7331,11 @@
   <p:clrMapOvr>
     <a:masterClrMapping/>
   </p:clrMapOvr>
-  <mc:AlternateContent xmlns:mc="http://schemas.openxmlformats.org/markup-compatibility/2006">
-    <mc:Choice xmlns:p14="http://schemas.microsoft.com/office/powerpoint/2010/main" Requires="p14">
-      <p:transition xmlns:mc="http://schemas.openxmlformats.org/markup-compatibility/2006" xmlns:p14="http://schemas.microsoft.com/office/powerpoint/2010/main" mc:Ignorable="p14" p14:dur="500"/>
+  <mc:AlternateContent xmlns:mc="http://schemas.openxmlformats.org/markup-compatibility/2006" xmlns:p14="http://schemas.microsoft.com/office/powerpoint/2010/main">
+    <mc:Choice Requires="p14">
+      <p:transition/>
     </mc:Choice>
-    <mc:Fallback>
+    <mc:Fallback xmlns:dsp="http://schemas.microsoft.com/office/drawing/2008/diagram" xmlns:dgm="http://schemas.openxmlformats.org/drawingml/2006/diagram" xmlns:c="http://schemas.openxmlformats.org/drawingml/2006/chart" xmlns="">
       <p:transition/>
     </mc:Fallback>
   </mc:AlternateContent>
@@ -7617,7 +7343,7 @@
 </file>
 
 <file path=ppt/slides/slide4.xml><?xml version="1.0" encoding="utf-8"?>
-<p:sld xmlns:r="http://schemas.openxmlformats.org/officeDocument/2006/relationships" xmlns:c="http://schemas.openxmlformats.org/drawingml/2006/chart" xmlns:a="http://schemas.openxmlformats.org/drawingml/2006/main" xmlns:dgm="http://schemas.openxmlformats.org/drawingml/2006/diagram" xmlns:dsp="http://schemas.microsoft.com/office/drawing/2008/diagram" xmlns:p="http://schemas.openxmlformats.org/presentationml/2006/main">
+<p:sld xmlns:a="http://schemas.openxmlformats.org/drawingml/2006/main" xmlns:r="http://schemas.openxmlformats.org/officeDocument/2006/relationships" xmlns:p="http://schemas.openxmlformats.org/presentationml/2006/main">
   <p:cSld>
     <p:spTree>
       <p:nvGrpSpPr>
@@ -7731,7 +7457,7 @@
       </p:sp>
       <p:sp>
         <p:nvSpPr>
-          <p:cNvPr id="11" name=""/>
+          <p:cNvPr id="11" name="TextBox 10"/>
           <p:cNvSpPr txBox="1"/>
           <p:nvPr/>
         </p:nvSpPr>
@@ -7748,6 +7474,7 @@
           <a:bodyPr wrap="square">
             <a:spAutoFit/>
           </a:bodyPr>
+          <a:lstStyle/>
           <a:p>
             <a:pPr latinLnBrk="1">
               <a:defRPr lang="ko-KR" altLang="en-US"/>
@@ -7756,7 +7483,6 @@
               <a:rPr lang="ko-KR" altLang="en-US"/>
               <a:t>출처-</a:t>
             </a:r>
-            <a:endParaRPr lang="ko-KR" altLang="en-US"/>
           </a:p>
           <a:p>
             <a:pPr latinLnBrk="1">
@@ -7778,7 +7504,6 @@
               <a:rPr lang="ko-KR" altLang="en-US"/>
               <a:t> 네이버</a:t>
             </a:r>
-            <a:endParaRPr lang="ko-KR" altLang="en-US"/>
           </a:p>
         </p:txBody>
       </p:sp>
@@ -7810,7 +7535,6 @@
               <a:rPr lang="ko-KR" altLang="en-US"/>
               <a:t>영화 예매 프로그램</a:t>
             </a:r>
-            <a:endParaRPr lang="ko-KR" altLang="en-US"/>
           </a:p>
           <a:p>
             <a:pPr marL="228600" indent="-228600">
@@ -7824,7 +7548,6 @@
               <a:rPr lang="en-US" altLang="ko-KR" sz="2000"/>
               <a:t>.</a:t>
             </a:r>
-            <a:endParaRPr lang="en-US" altLang="ko-KR" sz="2000"/>
           </a:p>
           <a:p>
             <a:pPr marL="228600" indent="-228600">
@@ -7838,7 +7561,6 @@
               <a:rPr lang="en-US" altLang="ko-KR" sz="2000"/>
               <a:t>.</a:t>
             </a:r>
-            <a:endParaRPr lang="en-US" altLang="ko-KR" sz="2000"/>
           </a:p>
           <a:p>
             <a:pPr marL="228600" indent="-228600">
@@ -7852,7 +7574,6 @@
               <a:rPr lang="en-US" altLang="ko-KR" sz="2000"/>
               <a:t>.</a:t>
             </a:r>
-            <a:endParaRPr lang="en-US" altLang="ko-KR" sz="2000"/>
           </a:p>
           <a:p>
             <a:pPr marL="0" indent="0" latinLnBrk="1">
@@ -7870,7 +7591,7 @@
             <a:spLocks noGrp="1"/>
           </p:cNvSpPr>
           <p:nvPr>
-            <p:ph type="title" idx="0"/>
+            <p:ph type="title"/>
           </p:nvPr>
         </p:nvSpPr>
         <p:spPr>
@@ -7893,16 +7614,12 @@
               </a:rPr>
               <a:t>유사 프로그램 소개</a:t>
             </a:r>
-            <a:endParaRPr lang="ko-KR" altLang="en-US">
-              <a:latin typeface="HY견고딕"/>
-              <a:ea typeface="HY견고딕"/>
-            </a:endParaRPr>
           </a:p>
         </p:txBody>
       </p:sp>
       <p:pic>
         <p:nvPicPr>
-          <p:cNvPr id="23" name=""/>
+          <p:cNvPr id="23" name="그림 22"/>
           <p:cNvPicPr>
             <a:picLocks noChangeAspect="1"/>
           </p:cNvPicPr>
@@ -7929,11 +7646,11 @@
   <p:clrMapOvr>
     <a:masterClrMapping/>
   </p:clrMapOvr>
-  <mc:AlternateContent xmlns:mc="http://schemas.openxmlformats.org/markup-compatibility/2006">
-    <mc:Choice xmlns:p14="http://schemas.microsoft.com/office/powerpoint/2010/main" Requires="p14">
-      <p:transition xmlns:mc="http://schemas.openxmlformats.org/markup-compatibility/2006" xmlns:p14="http://schemas.microsoft.com/office/powerpoint/2010/main" mc:Ignorable="p14" p14:dur="500"/>
+  <mc:AlternateContent xmlns:mc="http://schemas.openxmlformats.org/markup-compatibility/2006" xmlns:p14="http://schemas.microsoft.com/office/powerpoint/2010/main">
+    <mc:Choice Requires="p14">
+      <p:transition/>
     </mc:Choice>
-    <mc:Fallback>
+    <mc:Fallback xmlns:dsp="http://schemas.microsoft.com/office/drawing/2008/diagram" xmlns:dgm="http://schemas.openxmlformats.org/drawingml/2006/diagram" xmlns:c="http://schemas.openxmlformats.org/drawingml/2006/chart" xmlns="">
       <p:transition/>
     </mc:Fallback>
   </mc:AlternateContent>
@@ -7941,7 +7658,7 @@
 </file>
 
 <file path=ppt/slides/slide5.xml><?xml version="1.0" encoding="utf-8"?>
-<p:sld xmlns:r="http://schemas.openxmlformats.org/officeDocument/2006/relationships" xmlns:c="http://schemas.openxmlformats.org/drawingml/2006/chart" xmlns:a="http://schemas.openxmlformats.org/drawingml/2006/main" xmlns:dgm="http://schemas.openxmlformats.org/drawingml/2006/diagram" xmlns:dsp="http://schemas.microsoft.com/office/drawing/2008/diagram" xmlns:p="http://schemas.openxmlformats.org/presentationml/2006/main">
+<p:sld xmlns:a="http://schemas.openxmlformats.org/drawingml/2006/main" xmlns:r="http://schemas.openxmlformats.org/officeDocument/2006/relationships" xmlns:p="http://schemas.openxmlformats.org/presentationml/2006/main">
   <p:cSld>
     <p:spTree>
       <p:nvGrpSpPr>
@@ -8060,7 +7777,7 @@
             <a:spLocks noGrp="1"/>
           </p:cNvSpPr>
           <p:nvPr>
-            <p:ph type="title" idx="0"/>
+            <p:ph type="title"/>
           </p:nvPr>
         </p:nvSpPr>
         <p:spPr/>
@@ -8078,16 +7795,12 @@
               </a:rPr>
               <a:t>프로그램 실행</a:t>
             </a:r>
-            <a:endParaRPr lang="ko-KR" altLang="en-US">
-              <a:latin typeface="HY견고딕"/>
-              <a:ea typeface="HY견고딕"/>
-            </a:endParaRPr>
-          </a:p>
-        </p:txBody>
-      </p:sp>
-      <p:sp>
-        <p:nvSpPr>
-          <p:cNvPr id="17" name=""/>
+          </a:p>
+        </p:txBody>
+      </p:sp>
+      <p:sp>
+        <p:nvSpPr>
+          <p:cNvPr id="17" name="TextBox 16"/>
           <p:cNvSpPr txBox="1"/>
           <p:nvPr/>
         </p:nvSpPr>
@@ -8104,6 +7817,7 @@
           <a:bodyPr wrap="square">
             <a:spAutoFit/>
           </a:bodyPr>
+          <a:lstStyle/>
           <a:p>
             <a:pPr>
               <a:defRPr/>
@@ -8112,13 +7826,12 @@
               <a:rPr lang="ko-KR" altLang="en-US" sz="2500"/>
               <a:t>프로그램 실행 모습</a:t>
             </a:r>
-            <a:endParaRPr lang="ko-KR" altLang="en-US" sz="2500"/>
-          </a:p>
-        </p:txBody>
-      </p:sp>
-      <p:sp>
-        <p:nvSpPr>
-          <p:cNvPr id="18" name=""/>
+          </a:p>
+        </p:txBody>
+      </p:sp>
+      <p:sp>
+        <p:nvSpPr>
+          <p:cNvPr id="18" name="TextBox 17"/>
           <p:cNvSpPr txBox="1"/>
           <p:nvPr/>
         </p:nvSpPr>
@@ -8135,6 +7848,7 @@
           <a:bodyPr wrap="square">
             <a:spAutoFit/>
           </a:bodyPr>
+          <a:lstStyle/>
           <a:p>
             <a:pPr>
               <a:defRPr/>
@@ -8179,7 +7893,6 @@
               <a:rPr lang="en-US" altLang="ko-KR"/>
               <a:t>.</a:t>
             </a:r>
-            <a:endParaRPr lang="en-US" altLang="ko-KR"/>
           </a:p>
           <a:p>
             <a:pPr>
@@ -8207,13 +7920,12 @@
               <a:rPr lang="en-US" altLang="ko-KR"/>
               <a:t>.</a:t>
             </a:r>
-            <a:endParaRPr lang="en-US" altLang="ko-KR"/>
           </a:p>
         </p:txBody>
       </p:sp>
       <p:pic>
         <p:nvPicPr>
-          <p:cNvPr id="20" name=""/>
+          <p:cNvPr id="20" name="내용 개체 틀 19"/>
           <p:cNvPicPr>
             <a:picLocks noGrp="1" noChangeAspect="1"/>
           </p:cNvPicPr>
@@ -8240,7 +7952,7 @@
       </p:pic>
       <p:pic>
         <p:nvPicPr>
-          <p:cNvPr id="21" name=""/>
+          <p:cNvPr id="21" name="그림 20"/>
           <p:cNvPicPr>
             <a:picLocks noChangeAspect="1"/>
           </p:cNvPicPr>
@@ -8268,26 +7980,19 @@
   <p:clrMapOvr>
     <a:masterClrMapping/>
   </p:clrMapOvr>
-  <mc:AlternateContent xmlns:mc="http://schemas.openxmlformats.org/markup-compatibility/2006">
-    <mc:Choice xmlns:p14="http://schemas.microsoft.com/office/powerpoint/2010/main" Requires="p14">
-      <p:transition xmlns:mc="http://schemas.openxmlformats.org/markup-compatibility/2006" xmlns:p14="http://schemas.microsoft.com/office/powerpoint/2010/main" mc:Ignorable="p14" p14:dur="500"/>
+  <mc:AlternateContent xmlns:mc="http://schemas.openxmlformats.org/markup-compatibility/2006" xmlns:p14="http://schemas.microsoft.com/office/powerpoint/2010/main">
+    <mc:Choice Requires="p14">
+      <p:transition/>
     </mc:Choice>
-    <mc:Fallback>
+    <mc:Fallback xmlns:dsp="http://schemas.microsoft.com/office/drawing/2008/diagram" xmlns:dgm="http://schemas.openxmlformats.org/drawingml/2006/diagram" xmlns:c="http://schemas.openxmlformats.org/drawingml/2006/chart" xmlns="">
       <p:transition/>
     </mc:Fallback>
   </mc:AlternateContent>
-  <p:timing>
-    <p:tnLst>
-      <p:par>
-        <p:cTn id="1" dur="indefinite" restart="never" nodeType="tmRoot"/>
-      </p:par>
-    </p:tnLst>
-  </p:timing>
 </p:sld>
 </file>
 
 <file path=ppt/slides/slide6.xml><?xml version="1.0" encoding="utf-8"?>
-<p:sld xmlns:r="http://schemas.openxmlformats.org/officeDocument/2006/relationships" xmlns:c="http://schemas.openxmlformats.org/drawingml/2006/chart" xmlns:a="http://schemas.openxmlformats.org/drawingml/2006/main" xmlns:dgm="http://schemas.openxmlformats.org/drawingml/2006/diagram" xmlns:dsp="http://schemas.microsoft.com/office/drawing/2008/diagram" xmlns:p="http://schemas.openxmlformats.org/presentationml/2006/main">
+<p:sld xmlns:a="http://schemas.openxmlformats.org/drawingml/2006/main" xmlns:r="http://schemas.openxmlformats.org/officeDocument/2006/relationships" xmlns:p="http://schemas.openxmlformats.org/presentationml/2006/main">
   <p:cSld>
     <p:spTree>
       <p:nvGrpSpPr>
@@ -8406,7 +8111,7 @@
             <a:spLocks noGrp="1"/>
           </p:cNvSpPr>
           <p:nvPr>
-            <p:ph type="title" idx="0"/>
+            <p:ph type="title"/>
           </p:nvPr>
         </p:nvSpPr>
         <p:spPr/>
@@ -8424,16 +8129,12 @@
               </a:rPr>
               <a:t>프로그램 실행</a:t>
             </a:r>
-            <a:endParaRPr lang="ko-KR" altLang="en-US">
-              <a:latin typeface="HY견고딕"/>
-              <a:ea typeface="HY견고딕"/>
-            </a:endParaRPr>
-          </a:p>
-        </p:txBody>
-      </p:sp>
-      <p:sp>
-        <p:nvSpPr>
-          <p:cNvPr id="17" name=""/>
+          </a:p>
+        </p:txBody>
+      </p:sp>
+      <p:sp>
+        <p:nvSpPr>
+          <p:cNvPr id="17" name="TextBox 16"/>
           <p:cNvSpPr txBox="1"/>
           <p:nvPr/>
         </p:nvSpPr>
@@ -8450,6 +8151,7 @@
           <a:bodyPr wrap="square">
             <a:spAutoFit/>
           </a:bodyPr>
+          <a:lstStyle/>
           <a:p>
             <a:pPr>
               <a:defRPr/>
@@ -8458,13 +8160,12 @@
               <a:rPr lang="ko-KR" altLang="en-US" sz="2500"/>
               <a:t>물품 보관</a:t>
             </a:r>
-            <a:endParaRPr lang="ko-KR" altLang="en-US" sz="2500"/>
-          </a:p>
-        </p:txBody>
-      </p:sp>
-      <p:sp>
-        <p:nvSpPr>
-          <p:cNvPr id="18" name=""/>
+          </a:p>
+        </p:txBody>
+      </p:sp>
+      <p:sp>
+        <p:nvSpPr>
+          <p:cNvPr id="18" name="TextBox 17"/>
           <p:cNvSpPr txBox="1"/>
           <p:nvPr/>
         </p:nvSpPr>
@@ -8481,6 +8182,7 @@
           <a:bodyPr wrap="square">
             <a:spAutoFit/>
           </a:bodyPr>
+          <a:lstStyle/>
           <a:p>
             <a:pPr>
               <a:defRPr/>
@@ -8501,7 +8203,6 @@
               <a:rPr lang="en-US" altLang="ko-KR"/>
               <a:t>.</a:t>
             </a:r>
-            <a:endParaRPr lang="en-US" altLang="ko-KR"/>
           </a:p>
           <a:p>
             <a:pPr>
@@ -8521,13 +8222,12 @@
               <a:rPr lang="en-US" altLang="ko-KR"/>
               <a:t>.</a:t>
             </a:r>
-            <a:endParaRPr lang="en-US" altLang="ko-KR"/>
           </a:p>
         </p:txBody>
       </p:sp>
       <p:pic>
         <p:nvPicPr>
-          <p:cNvPr id="20" name=""/>
+          <p:cNvPr id="20" name="내용 개체 틀 19"/>
           <p:cNvPicPr>
             <a:picLocks noGrp="1" noChangeAspect="1"/>
           </p:cNvPicPr>
@@ -8554,7 +8254,7 @@
       </p:pic>
       <p:pic>
         <p:nvPicPr>
-          <p:cNvPr id="21" name=""/>
+          <p:cNvPr id="21" name="그림 20"/>
           <p:cNvPicPr>
             <a:picLocks noChangeAspect="1"/>
           </p:cNvPicPr>
@@ -8582,26 +8282,19 @@
   <p:clrMapOvr>
     <a:masterClrMapping/>
   </p:clrMapOvr>
-  <mc:AlternateContent xmlns:mc="http://schemas.openxmlformats.org/markup-compatibility/2006">
-    <mc:Choice xmlns:p14="http://schemas.microsoft.com/office/powerpoint/2010/main" Requires="p14">
-      <p:transition xmlns:mc="http://schemas.openxmlformats.org/markup-compatibility/2006" xmlns:p14="http://schemas.microsoft.com/office/powerpoint/2010/main" mc:Ignorable="p14" p14:dur="500"/>
+  <mc:AlternateContent xmlns:mc="http://schemas.openxmlformats.org/markup-compatibility/2006" xmlns:p14="http://schemas.microsoft.com/office/powerpoint/2010/main">
+    <mc:Choice Requires="p14">
+      <p:transition/>
     </mc:Choice>
-    <mc:Fallback>
+    <mc:Fallback xmlns:dsp="http://schemas.microsoft.com/office/drawing/2008/diagram" xmlns:dgm="http://schemas.openxmlformats.org/drawingml/2006/diagram" xmlns:c="http://schemas.openxmlformats.org/drawingml/2006/chart" xmlns="">
       <p:transition/>
     </mc:Fallback>
   </mc:AlternateContent>
-  <p:timing>
-    <p:tnLst>
-      <p:par>
-        <p:cTn id="1" dur="indefinite" restart="never" nodeType="tmRoot"/>
-      </p:par>
-    </p:tnLst>
-  </p:timing>
 </p:sld>
 </file>
 
 <file path=ppt/slides/slide7.xml><?xml version="1.0" encoding="utf-8"?>
-<p:sld xmlns:r="http://schemas.openxmlformats.org/officeDocument/2006/relationships" xmlns:c="http://schemas.openxmlformats.org/drawingml/2006/chart" xmlns:a="http://schemas.openxmlformats.org/drawingml/2006/main" xmlns:dgm="http://schemas.openxmlformats.org/drawingml/2006/diagram" xmlns:dsp="http://schemas.microsoft.com/office/drawing/2008/diagram" xmlns:p="http://schemas.openxmlformats.org/presentationml/2006/main">
+<p:sld xmlns:a="http://schemas.openxmlformats.org/drawingml/2006/main" xmlns:r="http://schemas.openxmlformats.org/officeDocument/2006/relationships" xmlns:p="http://schemas.openxmlformats.org/presentationml/2006/main">
   <p:cSld>
     <p:spTree>
       <p:nvGrpSpPr>
@@ -8720,7 +8413,7 @@
             <a:spLocks noGrp="1"/>
           </p:cNvSpPr>
           <p:nvPr>
-            <p:ph type="title" idx="0"/>
+            <p:ph type="title"/>
           </p:nvPr>
         </p:nvSpPr>
         <p:spPr/>
@@ -8738,16 +8431,12 @@
               </a:rPr>
               <a:t>프로그램 실행</a:t>
             </a:r>
-            <a:endParaRPr lang="ko-KR" altLang="en-US">
-              <a:latin typeface="HY견고딕"/>
-              <a:ea typeface="HY견고딕"/>
-            </a:endParaRPr>
-          </a:p>
-        </p:txBody>
-      </p:sp>
-      <p:sp>
-        <p:nvSpPr>
-          <p:cNvPr id="17" name=""/>
+          </a:p>
+        </p:txBody>
+      </p:sp>
+      <p:sp>
+        <p:nvSpPr>
+          <p:cNvPr id="17" name="TextBox 16"/>
           <p:cNvSpPr txBox="1"/>
           <p:nvPr/>
         </p:nvSpPr>
@@ -8764,6 +8453,7 @@
           <a:bodyPr wrap="square">
             <a:spAutoFit/>
           </a:bodyPr>
+          <a:lstStyle/>
           <a:p>
             <a:pPr>
               <a:defRPr/>
@@ -8772,13 +8462,12 @@
               <a:rPr lang="ko-KR" altLang="en-US" sz="2500"/>
               <a:t>물품 보관</a:t>
             </a:r>
-            <a:endParaRPr lang="ko-KR" altLang="en-US" sz="2500"/>
-          </a:p>
-        </p:txBody>
-      </p:sp>
-      <p:sp>
-        <p:nvSpPr>
-          <p:cNvPr id="18" name=""/>
+          </a:p>
+        </p:txBody>
+      </p:sp>
+      <p:sp>
+        <p:nvSpPr>
+          <p:cNvPr id="18" name="TextBox 17"/>
           <p:cNvSpPr txBox="1"/>
           <p:nvPr/>
         </p:nvSpPr>
@@ -8795,6 +8484,7 @@
           <a:bodyPr wrap="square">
             <a:spAutoFit/>
           </a:bodyPr>
+          <a:lstStyle/>
           <a:p>
             <a:pPr>
               <a:defRPr/>
@@ -8807,7 +8497,6 @@
               <a:rPr lang="en-US" altLang="ko-KR"/>
               <a:t>.</a:t>
             </a:r>
-            <a:endParaRPr lang="en-US" altLang="ko-KR"/>
           </a:p>
           <a:p>
             <a:pPr>
@@ -8827,13 +8516,12 @@
               <a:rPr lang="en-US" altLang="ko-KR"/>
               <a:t>.</a:t>
             </a:r>
-            <a:endParaRPr lang="en-US" altLang="ko-KR"/>
           </a:p>
         </p:txBody>
       </p:sp>
       <p:pic>
         <p:nvPicPr>
-          <p:cNvPr id="21" name=""/>
+          <p:cNvPr id="21" name="내용 개체 틀 20"/>
           <p:cNvPicPr>
             <a:picLocks noGrp="1" noChangeAspect="1"/>
           </p:cNvPicPr>
@@ -8862,26 +8550,19 @@
   <p:clrMapOvr>
     <a:masterClrMapping/>
   </p:clrMapOvr>
-  <mc:AlternateContent xmlns:mc="http://schemas.openxmlformats.org/markup-compatibility/2006">
-    <mc:Choice xmlns:p14="http://schemas.microsoft.com/office/powerpoint/2010/main" Requires="p14">
-      <p:transition xmlns:mc="http://schemas.openxmlformats.org/markup-compatibility/2006" xmlns:p14="http://schemas.microsoft.com/office/powerpoint/2010/main" mc:Ignorable="p14" p14:dur="500"/>
+  <mc:AlternateContent xmlns:mc="http://schemas.openxmlformats.org/markup-compatibility/2006" xmlns:p14="http://schemas.microsoft.com/office/powerpoint/2010/main">
+    <mc:Choice Requires="p14">
+      <p:transition/>
     </mc:Choice>
-    <mc:Fallback>
+    <mc:Fallback xmlns:dsp="http://schemas.microsoft.com/office/drawing/2008/diagram" xmlns:dgm="http://schemas.openxmlformats.org/drawingml/2006/diagram" xmlns:c="http://schemas.openxmlformats.org/drawingml/2006/chart" xmlns="">
       <p:transition/>
     </mc:Fallback>
   </mc:AlternateContent>
-  <p:timing>
-    <p:tnLst>
-      <p:par>
-        <p:cTn id="1" dur="indefinite" restart="never" nodeType="tmRoot"/>
-      </p:par>
-    </p:tnLst>
-  </p:timing>
 </p:sld>
 </file>
 
 <file path=ppt/slides/slide8.xml><?xml version="1.0" encoding="utf-8"?>
-<p:sld xmlns:r="http://schemas.openxmlformats.org/officeDocument/2006/relationships" xmlns:c="http://schemas.openxmlformats.org/drawingml/2006/chart" xmlns:a="http://schemas.openxmlformats.org/drawingml/2006/main" xmlns:dgm="http://schemas.openxmlformats.org/drawingml/2006/diagram" xmlns:dsp="http://schemas.microsoft.com/office/drawing/2008/diagram" xmlns:p="http://schemas.openxmlformats.org/presentationml/2006/main">
+<p:sld xmlns:a="http://schemas.openxmlformats.org/drawingml/2006/main" xmlns:r="http://schemas.openxmlformats.org/officeDocument/2006/relationships" xmlns:p="http://schemas.openxmlformats.org/presentationml/2006/main">
   <p:cSld>
     <p:spTree>
       <p:nvGrpSpPr>
@@ -9000,7 +8681,7 @@
             <a:spLocks noGrp="1"/>
           </p:cNvSpPr>
           <p:nvPr>
-            <p:ph type="title" idx="0"/>
+            <p:ph type="title"/>
           </p:nvPr>
         </p:nvSpPr>
         <p:spPr/>
@@ -9018,16 +8699,12 @@
               </a:rPr>
               <a:t>프로그램 실행</a:t>
             </a:r>
-            <a:endParaRPr lang="ko-KR" altLang="en-US">
-              <a:latin typeface="HY견고딕"/>
-              <a:ea typeface="HY견고딕"/>
-            </a:endParaRPr>
-          </a:p>
-        </p:txBody>
-      </p:sp>
-      <p:sp>
-        <p:nvSpPr>
-          <p:cNvPr id="17" name=""/>
+          </a:p>
+        </p:txBody>
+      </p:sp>
+      <p:sp>
+        <p:nvSpPr>
+          <p:cNvPr id="17" name="TextBox 16"/>
           <p:cNvSpPr txBox="1"/>
           <p:nvPr/>
         </p:nvSpPr>
@@ -9044,6 +8721,7 @@
           <a:bodyPr wrap="square">
             <a:spAutoFit/>
           </a:bodyPr>
+          <a:lstStyle/>
           <a:p>
             <a:pPr>
               <a:defRPr/>
@@ -9052,13 +8730,12 @@
               <a:rPr lang="ko-KR" altLang="en-US" sz="2500"/>
               <a:t>관리자 페이지</a:t>
             </a:r>
-            <a:endParaRPr lang="ko-KR" altLang="en-US" sz="2500"/>
-          </a:p>
-        </p:txBody>
-      </p:sp>
-      <p:sp>
-        <p:nvSpPr>
-          <p:cNvPr id="18" name=""/>
+          </a:p>
+        </p:txBody>
+      </p:sp>
+      <p:sp>
+        <p:nvSpPr>
+          <p:cNvPr id="18" name="TextBox 17"/>
           <p:cNvSpPr txBox="1"/>
           <p:nvPr/>
         </p:nvSpPr>
@@ -9075,6 +8752,7 @@
           <a:bodyPr wrap="square">
             <a:spAutoFit/>
           </a:bodyPr>
+          <a:lstStyle/>
           <a:p>
             <a:pPr>
               <a:defRPr/>
@@ -9091,7 +8769,6 @@
               <a:rPr lang="ko-KR" altLang="en-US"/>
               <a:t> </a:t>
             </a:r>
-            <a:endParaRPr lang="ko-KR" altLang="en-US"/>
           </a:p>
           <a:p>
             <a:pPr>
@@ -9105,13 +8782,12 @@
               <a:rPr lang="en-US" altLang="ko-KR"/>
               <a:t>.</a:t>
             </a:r>
-            <a:endParaRPr lang="en-US" altLang="ko-KR"/>
           </a:p>
         </p:txBody>
       </p:sp>
       <p:pic>
         <p:nvPicPr>
-          <p:cNvPr id="22" name=""/>
+          <p:cNvPr id="22" name="내용 개체 틀 21"/>
           <p:cNvPicPr>
             <a:picLocks noGrp="1" noChangeAspect="1"/>
           </p:cNvPicPr>
@@ -9140,26 +8816,19 @@
   <p:clrMapOvr>
     <a:masterClrMapping/>
   </p:clrMapOvr>
-  <mc:AlternateContent xmlns:mc="http://schemas.openxmlformats.org/markup-compatibility/2006">
-    <mc:Choice xmlns:p14="http://schemas.microsoft.com/office/powerpoint/2010/main" Requires="p14">
-      <p:transition xmlns:mc="http://schemas.openxmlformats.org/markup-compatibility/2006" xmlns:p14="http://schemas.microsoft.com/office/powerpoint/2010/main" mc:Ignorable="p14" p14:dur="500"/>
+  <mc:AlternateContent xmlns:mc="http://schemas.openxmlformats.org/markup-compatibility/2006" xmlns:p14="http://schemas.microsoft.com/office/powerpoint/2010/main">
+    <mc:Choice Requires="p14">
+      <p:transition/>
     </mc:Choice>
-    <mc:Fallback>
+    <mc:Fallback xmlns:dsp="http://schemas.microsoft.com/office/drawing/2008/diagram" xmlns:dgm="http://schemas.openxmlformats.org/drawingml/2006/diagram" xmlns:c="http://schemas.openxmlformats.org/drawingml/2006/chart" xmlns="">
       <p:transition/>
     </mc:Fallback>
   </mc:AlternateContent>
-  <p:timing>
-    <p:tnLst>
-      <p:par>
-        <p:cTn id="1" dur="indefinite" restart="never" nodeType="tmRoot"/>
-      </p:par>
-    </p:tnLst>
-  </p:timing>
 </p:sld>
 </file>
 
 <file path=ppt/slides/slide9.xml><?xml version="1.0" encoding="utf-8"?>
-<p:sld xmlns:r="http://schemas.openxmlformats.org/officeDocument/2006/relationships" xmlns:c="http://schemas.openxmlformats.org/drawingml/2006/chart" xmlns:a="http://schemas.openxmlformats.org/drawingml/2006/main" xmlns:dgm="http://schemas.openxmlformats.org/drawingml/2006/diagram" xmlns:dsp="http://schemas.microsoft.com/office/drawing/2008/diagram" xmlns:p="http://schemas.openxmlformats.org/presentationml/2006/main">
+<p:sld xmlns:a="http://schemas.openxmlformats.org/drawingml/2006/main" xmlns:r="http://schemas.openxmlformats.org/officeDocument/2006/relationships" xmlns:p="http://schemas.openxmlformats.org/presentationml/2006/main">
   <p:cSld>
     <p:spTree>
       <p:nvGrpSpPr>
@@ -9278,7 +8947,7 @@
             <a:spLocks noGrp="1"/>
           </p:cNvSpPr>
           <p:nvPr>
-            <p:ph type="title" idx="0"/>
+            <p:ph type="title"/>
           </p:nvPr>
         </p:nvSpPr>
         <p:spPr/>
@@ -9296,16 +8965,12 @@
               </a:rPr>
               <a:t>프로그램 실행</a:t>
             </a:r>
-            <a:endParaRPr lang="ko-KR" altLang="en-US">
-              <a:latin typeface="HY견고딕"/>
-              <a:ea typeface="HY견고딕"/>
-            </a:endParaRPr>
-          </a:p>
-        </p:txBody>
-      </p:sp>
-      <p:sp>
-        <p:nvSpPr>
-          <p:cNvPr id="17" name=""/>
+          </a:p>
+        </p:txBody>
+      </p:sp>
+      <p:sp>
+        <p:nvSpPr>
+          <p:cNvPr id="17" name="TextBox 16"/>
           <p:cNvSpPr txBox="1"/>
           <p:nvPr/>
         </p:nvSpPr>
@@ -9322,6 +8987,7 @@
           <a:bodyPr wrap="square">
             <a:spAutoFit/>
           </a:bodyPr>
+          <a:lstStyle/>
           <a:p>
             <a:pPr>
               <a:defRPr/>
@@ -9330,13 +8996,12 @@
               <a:rPr lang="ko-KR" altLang="en-US" sz="2500"/>
               <a:t>관리자 페이지</a:t>
             </a:r>
-            <a:endParaRPr lang="ko-KR" altLang="en-US" sz="2500"/>
-          </a:p>
-        </p:txBody>
-      </p:sp>
-      <p:sp>
-        <p:nvSpPr>
-          <p:cNvPr id="18" name=""/>
+          </a:p>
+        </p:txBody>
+      </p:sp>
+      <p:sp>
+        <p:nvSpPr>
+          <p:cNvPr id="18" name="TextBox 17"/>
           <p:cNvSpPr txBox="1"/>
           <p:nvPr/>
         </p:nvSpPr>
@@ -9353,6 +9018,7 @@
           <a:bodyPr wrap="square">
             <a:spAutoFit/>
           </a:bodyPr>
+          <a:lstStyle/>
           <a:p>
             <a:pPr>
               <a:defRPr/>
@@ -9369,7 +9035,6 @@
               <a:rPr lang="ko-KR" altLang="en-US"/>
               <a:t> </a:t>
             </a:r>
-            <a:endParaRPr lang="ko-KR" altLang="en-US"/>
           </a:p>
           <a:p>
             <a:pPr>
@@ -9387,13 +9052,12 @@
               <a:rPr lang="ko-KR" altLang="en-US"/>
               <a:t> </a:t>
             </a:r>
-            <a:endParaRPr lang="ko-KR" altLang="en-US"/>
           </a:p>
         </p:txBody>
       </p:sp>
       <p:pic>
         <p:nvPicPr>
-          <p:cNvPr id="24" name=""/>
+          <p:cNvPr id="24" name="내용 개체 틀 23"/>
           <p:cNvPicPr>
             <a:picLocks noGrp="1" noChangeAspect="1"/>
           </p:cNvPicPr>
@@ -9422,68 +9086,61 @@
   <p:clrMapOvr>
     <a:masterClrMapping/>
   </p:clrMapOvr>
-  <mc:AlternateContent xmlns:mc="http://schemas.openxmlformats.org/markup-compatibility/2006">
-    <mc:Choice xmlns:p14="http://schemas.microsoft.com/office/powerpoint/2010/main" Requires="p14">
-      <p:transition xmlns:mc="http://schemas.openxmlformats.org/markup-compatibility/2006" xmlns:p14="http://schemas.microsoft.com/office/powerpoint/2010/main" mc:Ignorable="p14" p14:dur="500"/>
+  <mc:AlternateContent xmlns:mc="http://schemas.openxmlformats.org/markup-compatibility/2006" xmlns:p14="http://schemas.microsoft.com/office/powerpoint/2010/main">
+    <mc:Choice Requires="p14">
+      <p:transition/>
     </mc:Choice>
-    <mc:Fallback>
+    <mc:Fallback xmlns:dsp="http://schemas.microsoft.com/office/drawing/2008/diagram" xmlns:dgm="http://schemas.openxmlformats.org/drawingml/2006/diagram" xmlns:c="http://schemas.openxmlformats.org/drawingml/2006/chart" xmlns="">
       <p:transition/>
     </mc:Fallback>
   </mc:AlternateContent>
-  <p:timing>
-    <p:tnLst>
-      <p:par>
-        <p:cTn id="1" dur="indefinite" restart="never" nodeType="tmRoot"/>
-      </p:par>
-    </p:tnLst>
-  </p:timing>
 </p:sld>
 </file>
 
 <file path=ppt/theme/theme1.xml><?xml version="1.0" encoding="utf-8"?>
-<a:theme xmlns:r="http://schemas.openxmlformats.org/officeDocument/2006/relationships" xmlns:c="http://schemas.openxmlformats.org/drawingml/2006/chart" xmlns:dgm="http://schemas.openxmlformats.org/drawingml/2006/diagram" xmlns:dsp="http://schemas.microsoft.com/office/drawing/2008/diagram" xmlns:a="http://schemas.openxmlformats.org/drawingml/2006/main" xmlns:pic="http://schemas.openxmlformats.org/drawingml/2006/picture" xmlns:wp="http://schemas.openxmlformats.org/drawingml/2006/wordprocessingDrawing" xmlns:xdr="http://schemas.openxmlformats.org/drawingml/2006/spreadsheetDrawing" xmlns:lc="http://schemas.openxmlformats.org/drawingml/2006/lockedCanvas" xmlns:p="http://schemas.openxmlformats.org/presentationml/2006/main" name="Office 테마">
+<a:theme xmlns:a="http://schemas.openxmlformats.org/drawingml/2006/main" name="Office 테마">
   <a:themeElements>
     <a:clrScheme name="Office">
       <a:dk1>
         <a:sysClr val="windowText" lastClr="000000"/>
       </a:dk1>
       <a:lt1>
-        <a:sysClr val="window" lastClr="ffffff"/>
+        <a:sysClr val="window" lastClr="FFFFFF"/>
       </a:lt1>
       <a:dk2>
-        <a:srgbClr val="44546a"/>
+        <a:srgbClr val="44546A"/>
       </a:dk2>
       <a:lt2>
-        <a:srgbClr val="e7e6e6"/>
+        <a:srgbClr val="E7E6E6"/>
       </a:lt2>
       <a:accent1>
-        <a:srgbClr val="5b9bd5"/>
+        <a:srgbClr val="5B9BD5"/>
       </a:accent1>
       <a:accent2>
-        <a:srgbClr val="ed7d31"/>
+        <a:srgbClr val="ED7D31"/>
       </a:accent2>
       <a:accent3>
-        <a:srgbClr val="a5a5a5"/>
+        <a:srgbClr val="A5A5A5"/>
       </a:accent3>
       <a:accent4>
-        <a:srgbClr val="ffc000"/>
+        <a:srgbClr val="FFC000"/>
       </a:accent4>
       <a:accent5>
-        <a:srgbClr val="4472c4"/>
+        <a:srgbClr val="4472C4"/>
       </a:accent5>
       <a:accent6>
-        <a:srgbClr val="70ad47"/>
+        <a:srgbClr val="70AD47"/>
       </a:accent6>
       <a:hlink>
-        <a:srgbClr val="0563c1"/>
+        <a:srgbClr val="0563C1"/>
       </a:hlink>
       <a:folHlink>
-        <a:srgbClr val="954f72"/>
+        <a:srgbClr val="954F72"/>
       </a:folHlink>
     </a:clrScheme>
     <a:fontScheme name="Office">
       <a:majorFont>
-        <a:latin typeface="맑은 고딕" panose="20"/>
+        <a:latin typeface="맑은 고딕" panose="20000000000000000000"/>
         <a:ea typeface=""/>
         <a:cs typeface=""/>
         <a:font script="Jpan" typeface="Yu Gothic Light"/>
@@ -9535,7 +9192,7 @@
         <a:font script="Tfng" typeface="Ebrima"/>
       </a:majorFont>
       <a:minorFont>
-        <a:latin typeface="맑은 고딕" panose="20"/>
+        <a:latin typeface="맑은 고딕" panose="20000000000000000000"/>
         <a:ea typeface=""/>
         <a:cs typeface=""/>
         <a:font script="Jpan" typeface="Yu Gothic"/>
@@ -9725,45 +9382,47 @@
       </a:bgFillStyleLst>
     </a:fmtScheme>
   </a:themeElements>
+  <a:objectDefaults/>
+  <a:extraClrSchemeLst/>
 </a:theme>
 </file>
 
 <file path=ppt/theme/theme2.xml><?xml version="1.0" encoding="utf-8"?>
-<a:theme xmlns:r="http://schemas.openxmlformats.org/officeDocument/2006/relationships" xmlns:c="http://schemas.openxmlformats.org/drawingml/2006/chart" xmlns:dgm="http://schemas.openxmlformats.org/drawingml/2006/diagram" xmlns:dsp="http://schemas.microsoft.com/office/drawing/2008/diagram" xmlns:a="http://schemas.openxmlformats.org/drawingml/2006/main" xmlns:pic="http://schemas.openxmlformats.org/drawingml/2006/picture" xmlns:wp="http://schemas.openxmlformats.org/drawingml/2006/wordprocessingDrawing" xmlns:xdr="http://schemas.openxmlformats.org/drawingml/2006/spreadsheetDrawing" xmlns:lc="http://schemas.openxmlformats.org/drawingml/2006/lockedCanvas" xmlns:p="http://schemas.openxmlformats.org/presentationml/2006/main" name="한컴오피스">
+<a:theme xmlns:a="http://schemas.openxmlformats.org/drawingml/2006/main" name="한컴오피스">
   <a:themeElements>
     <a:clrScheme name="한컴오피스">
       <a:dk1>
         <a:sysClr val="windowText" lastClr="000000"/>
       </a:dk1>
       <a:lt1>
-        <a:sysClr val="window" lastClr="ffffff"/>
+        <a:sysClr val="window" lastClr="FFFFFF"/>
       </a:lt1>
       <a:dk2>
-        <a:srgbClr val="1c3d62"/>
+        <a:srgbClr val="1C3D62"/>
       </a:dk2>
       <a:lt2>
-        <a:srgbClr val="e3dcc1"/>
+        <a:srgbClr val="E3DCC1"/>
       </a:lt2>
       <a:accent1>
-        <a:srgbClr val="315f97"/>
+        <a:srgbClr val="315F97"/>
       </a:accent1>
       <a:accent2>
-        <a:srgbClr val="c75252"/>
+        <a:srgbClr val="C75252"/>
       </a:accent2>
       <a:accent3>
-        <a:srgbClr val="e9ae2b"/>
+        <a:srgbClr val="E9AE2B"/>
       </a:accent3>
       <a:accent4>
-        <a:srgbClr val="699b37"/>
+        <a:srgbClr val="699B37"/>
       </a:accent4>
       <a:accent5>
         <a:srgbClr val="358791"/>
       </a:accent5>
       <a:accent6>
-        <a:srgbClr val="ca56a7"/>
+        <a:srgbClr val="CA56A7"/>
       </a:accent6>
       <a:hlink>
-        <a:srgbClr val="0000ff"/>
+        <a:srgbClr val="0000FF"/>
       </a:hlink>
       <a:folHlink>
         <a:srgbClr val="800080"/>
@@ -9932,45 +9591,47 @@
       </a:bgFillStyleLst>
     </a:fmtScheme>
   </a:themeElements>
+  <a:objectDefaults/>
+  <a:extraClrSchemeLst/>
 </a:theme>
 </file>
 
 <file path=ppt/theme/theme3.xml><?xml version="1.0" encoding="utf-8"?>
-<a:theme xmlns:r="http://schemas.openxmlformats.org/officeDocument/2006/relationships" xmlns:c="http://schemas.openxmlformats.org/drawingml/2006/chart" xmlns:dgm="http://schemas.openxmlformats.org/drawingml/2006/diagram" xmlns:dsp="http://schemas.microsoft.com/office/drawing/2008/diagram" xmlns:a="http://schemas.openxmlformats.org/drawingml/2006/main" xmlns:pic="http://schemas.openxmlformats.org/drawingml/2006/picture" xmlns:wp="http://schemas.openxmlformats.org/drawingml/2006/wordprocessingDrawing" xmlns:xdr="http://schemas.openxmlformats.org/drawingml/2006/spreadsheetDrawing" xmlns:lc="http://schemas.openxmlformats.org/drawingml/2006/lockedCanvas" xmlns:p="http://schemas.openxmlformats.org/presentationml/2006/main" name="한컴오피스">
+<a:theme xmlns:a="http://schemas.openxmlformats.org/drawingml/2006/main" name="한컴오피스">
   <a:themeElements>
     <a:clrScheme name="한컴오피스">
       <a:dk1>
         <a:sysClr val="windowText" lastClr="000000"/>
       </a:dk1>
       <a:lt1>
-        <a:sysClr val="window" lastClr="ffffff"/>
+        <a:sysClr val="window" lastClr="FFFFFF"/>
       </a:lt1>
       <a:dk2>
-        <a:srgbClr val="1c3d62"/>
+        <a:srgbClr val="1C3D62"/>
       </a:dk2>
       <a:lt2>
-        <a:srgbClr val="e3dcc1"/>
+        <a:srgbClr val="E3DCC1"/>
       </a:lt2>
       <a:accent1>
-        <a:srgbClr val="315f97"/>
+        <a:srgbClr val="315F97"/>
       </a:accent1>
       <a:accent2>
-        <a:srgbClr val="c75252"/>
+        <a:srgbClr val="C75252"/>
       </a:accent2>
       <a:accent3>
-        <a:srgbClr val="e9ae2b"/>
+        <a:srgbClr val="E9AE2B"/>
       </a:accent3>
       <a:accent4>
-        <a:srgbClr val="699b37"/>
+        <a:srgbClr val="699B37"/>
       </a:accent4>
       <a:accent5>
         <a:srgbClr val="358791"/>
       </a:accent5>
       <a:accent6>
-        <a:srgbClr val="ca56a7"/>
+        <a:srgbClr val="CA56A7"/>
       </a:accent6>
       <a:hlink>
-        <a:srgbClr val="0000ff"/>
+        <a:srgbClr val="0000FF"/>
       </a:hlink>
       <a:folHlink>
         <a:srgbClr val="800080"/>
@@ -10139,5 +9800,7 @@
       </a:bgFillStyleLst>
     </a:fmtScheme>
   </a:themeElements>
+  <a:objectDefaults/>
+  <a:extraClrSchemeLst/>
 </a:theme>
 </file>